--- a/artifacts/CNTT_GitHub_Technical_WG_Process.pptx
+++ b/artifacts/CNTT_GitHub_Technical_WG_Process.pptx
@@ -6,25 +6,34 @@
     <p:sldMasterId id="2147483678" r:id="rId2"/>
   </p:sldMasterIdLst>
   <p:notesMasterIdLst>
-    <p:notesMasterId r:id="rId19"/>
+    <p:notesMasterId r:id="rId28"/>
   </p:notesMasterIdLst>
   <p:sldIdLst>
     <p:sldId id="256" r:id="rId3"/>
     <p:sldId id="268" r:id="rId4"/>
     <p:sldId id="269" r:id="rId5"/>
-    <p:sldId id="270" r:id="rId6"/>
-    <p:sldId id="271" r:id="rId7"/>
-    <p:sldId id="272" r:id="rId8"/>
-    <p:sldId id="274" r:id="rId9"/>
-    <p:sldId id="275" r:id="rId10"/>
-    <p:sldId id="276" r:id="rId11"/>
-    <p:sldId id="277" r:id="rId12"/>
-    <p:sldId id="278" r:id="rId13"/>
-    <p:sldId id="279" r:id="rId14"/>
-    <p:sldId id="280" r:id="rId15"/>
-    <p:sldId id="281" r:id="rId16"/>
-    <p:sldId id="282" r:id="rId17"/>
-    <p:sldId id="257" r:id="rId18"/>
+    <p:sldId id="283" r:id="rId6"/>
+    <p:sldId id="284" r:id="rId7"/>
+    <p:sldId id="270" r:id="rId8"/>
+    <p:sldId id="271" r:id="rId9"/>
+    <p:sldId id="272" r:id="rId10"/>
+    <p:sldId id="274" r:id="rId11"/>
+    <p:sldId id="275" r:id="rId12"/>
+    <p:sldId id="276" r:id="rId13"/>
+    <p:sldId id="277" r:id="rId14"/>
+    <p:sldId id="278" r:id="rId15"/>
+    <p:sldId id="279" r:id="rId16"/>
+    <p:sldId id="280" r:id="rId17"/>
+    <p:sldId id="281" r:id="rId18"/>
+    <p:sldId id="286" r:id="rId19"/>
+    <p:sldId id="287" r:id="rId20"/>
+    <p:sldId id="282" r:id="rId21"/>
+    <p:sldId id="289" r:id="rId22"/>
+    <p:sldId id="290" r:id="rId23"/>
+    <p:sldId id="291" r:id="rId24"/>
+    <p:sldId id="292" r:id="rId25"/>
+    <p:sldId id="293" r:id="rId26"/>
+    <p:sldId id="257" r:id="rId27"/>
   </p:sldIdLst>
   <p:sldSz cx="12192000" cy="6858000"/>
   <p:notesSz cx="6858000" cy="9144000"/>
@@ -133,7 +142,7 @@
 
 <file path=ppt/commentAuthors.xml><?xml version="1.0" encoding="utf-8"?>
 <p:cmAuthorLst xmlns:a="http://schemas.openxmlformats.org/drawingml/2006/main" xmlns:r="http://schemas.openxmlformats.org/officeDocument/2006/relationships" xmlns:p="http://schemas.openxmlformats.org/presentationml/2006/main">
-  <p:cmAuthor id="1" name="Rabi, Abdel, Vodafone Group" initials="RAVG" lastIdx="1" clrIdx="0">
+  <p:cmAuthor id="1" name="Rabi, Abdel, Vodafone Group" initials="RAVG" lastIdx="2" clrIdx="0">
     <p:extLst>
       <p:ext uri="{19B8F6BF-5375-455C-9EA6-DF929625EA0E}">
         <p15:presenceInfo xmlns:p15="http://schemas.microsoft.com/office/powerpoint/2012/main" userId="S-1-5-21-329068152-1383384898-682003330-11820213" providerId="AD"/>
@@ -225,7 +234,7 @@
           <a:p>
             <a:fld id="{F300692A-B8F2-48F6-B218-A4958D7E8758}" type="datetimeFigureOut">
               <a:rPr lang="en-US" smtClean="0"/>
-              <a:t>6/21/2019</a:t>
+              <a:t>6/24/2019</a:t>
             </a:fld>
             <a:endParaRPr lang="en-US"/>
           </a:p>
@@ -683,7 +692,7 @@
           <a:p>
             <a:fld id="{2B25DCB4-1894-45C1-AC80-BB1CC7AB7AF3}" type="datetimeFigureOut">
               <a:rPr lang="en-GB" smtClean="0"/>
-              <a:t>21/06/2019</a:t>
+              <a:t>24/06/2019</a:t>
             </a:fld>
             <a:endParaRPr lang="en-GB"/>
           </a:p>
@@ -1119,7 +1128,7 @@
           <a:p>
             <a:fld id="{2B25DCB4-1894-45C1-AC80-BB1CC7AB7AF3}" type="datetimeFigureOut">
               <a:rPr lang="en-GB" smtClean="0"/>
-              <a:t>21/06/2019</a:t>
+              <a:t>24/06/2019</a:t>
             </a:fld>
             <a:endParaRPr lang="en-GB"/>
           </a:p>
@@ -1369,7 +1378,7 @@
           <a:p>
             <a:fld id="{2B25DCB4-1894-45C1-AC80-BB1CC7AB7AF3}" type="datetimeFigureOut">
               <a:rPr lang="en-GB" smtClean="0"/>
-              <a:t>21/06/2019</a:t>
+              <a:t>24/06/2019</a:t>
             </a:fld>
             <a:endParaRPr lang="en-GB"/>
           </a:p>
@@ -1677,7 +1686,7 @@
           <a:p>
             <a:fld id="{2B25DCB4-1894-45C1-AC80-BB1CC7AB7AF3}" type="datetimeFigureOut">
               <a:rPr lang="en-GB" smtClean="0"/>
-              <a:t>21/06/2019</a:t>
+              <a:t>24/06/2019</a:t>
             </a:fld>
             <a:endParaRPr lang="en-GB"/>
           </a:p>
@@ -1995,7 +2004,7 @@
           <a:p>
             <a:fld id="{2B25DCB4-1894-45C1-AC80-BB1CC7AB7AF3}" type="datetimeFigureOut">
               <a:rPr lang="en-GB" smtClean="0"/>
-              <a:t>21/06/2019</a:t>
+              <a:t>24/06/2019</a:t>
             </a:fld>
             <a:endParaRPr lang="en-GB"/>
           </a:p>
@@ -2297,7 +2306,7 @@
           <a:p>
             <a:fld id="{2B25DCB4-1894-45C1-AC80-BB1CC7AB7AF3}" type="datetimeFigureOut">
               <a:rPr lang="en-GB" smtClean="0"/>
-              <a:t>21/06/2019</a:t>
+              <a:t>24/06/2019</a:t>
             </a:fld>
             <a:endParaRPr lang="en-GB"/>
           </a:p>
@@ -2664,7 +2673,7 @@
           <a:p>
             <a:fld id="{2B25DCB4-1894-45C1-AC80-BB1CC7AB7AF3}" type="datetimeFigureOut">
               <a:rPr lang="en-GB" smtClean="0"/>
-              <a:t>21/06/2019</a:t>
+              <a:t>24/06/2019</a:t>
             </a:fld>
             <a:endParaRPr lang="en-GB"/>
           </a:p>
@@ -2838,7 +2847,7 @@
           <a:p>
             <a:fld id="{2B25DCB4-1894-45C1-AC80-BB1CC7AB7AF3}" type="datetimeFigureOut">
               <a:rPr lang="en-GB" smtClean="0"/>
-              <a:t>21/06/2019</a:t>
+              <a:t>24/06/2019</a:t>
             </a:fld>
             <a:endParaRPr lang="en-GB"/>
           </a:p>
@@ -3018,7 +3027,7 @@
           <a:p>
             <a:fld id="{2B25DCB4-1894-45C1-AC80-BB1CC7AB7AF3}" type="datetimeFigureOut">
               <a:rPr lang="en-GB" smtClean="0"/>
-              <a:t>21/06/2019</a:t>
+              <a:t>24/06/2019</a:t>
             </a:fld>
             <a:endParaRPr lang="en-GB"/>
           </a:p>
@@ -3210,7 +3219,7 @@
           <a:p>
             <a:fld id="{432668E7-1494-4367-8917-840B541A68C2}" type="datetimeFigureOut">
               <a:rPr lang="en-GB" smtClean="0"/>
-              <a:t>21/06/2019</a:t>
+              <a:t>24/06/2019</a:t>
             </a:fld>
             <a:endParaRPr lang="en-GB"/>
           </a:p>
@@ -3380,7 +3389,7 @@
           <a:p>
             <a:fld id="{432668E7-1494-4367-8917-840B541A68C2}" type="datetimeFigureOut">
               <a:rPr lang="en-GB" smtClean="0"/>
-              <a:t>21/06/2019</a:t>
+              <a:t>24/06/2019</a:t>
             </a:fld>
             <a:endParaRPr lang="en-GB"/>
           </a:p>
@@ -3550,7 +3559,7 @@
           <a:p>
             <a:fld id="{2B25DCB4-1894-45C1-AC80-BB1CC7AB7AF3}" type="datetimeFigureOut">
               <a:rPr lang="en-GB" smtClean="0"/>
-              <a:t>21/06/2019</a:t>
+              <a:t>24/06/2019</a:t>
             </a:fld>
             <a:endParaRPr lang="en-GB"/>
           </a:p>
@@ -3796,7 +3805,7 @@
           <a:p>
             <a:fld id="{432668E7-1494-4367-8917-840B541A68C2}" type="datetimeFigureOut">
               <a:rPr lang="en-GB" smtClean="0"/>
-              <a:t>21/06/2019</a:t>
+              <a:t>24/06/2019</a:t>
             </a:fld>
             <a:endParaRPr lang="en-GB"/>
           </a:p>
@@ -4028,7 +4037,7 @@
           <a:p>
             <a:fld id="{432668E7-1494-4367-8917-840B541A68C2}" type="datetimeFigureOut">
               <a:rPr lang="en-GB" smtClean="0"/>
-              <a:t>21/06/2019</a:t>
+              <a:t>24/06/2019</a:t>
             </a:fld>
             <a:endParaRPr lang="en-GB"/>
           </a:p>
@@ -4395,7 +4404,7 @@
           <a:p>
             <a:fld id="{432668E7-1494-4367-8917-840B541A68C2}" type="datetimeFigureOut">
               <a:rPr lang="en-GB" smtClean="0"/>
-              <a:t>21/06/2019</a:t>
+              <a:t>24/06/2019</a:t>
             </a:fld>
             <a:endParaRPr lang="en-GB"/>
           </a:p>
@@ -4513,7 +4522,7 @@
           <a:p>
             <a:fld id="{432668E7-1494-4367-8917-840B541A68C2}" type="datetimeFigureOut">
               <a:rPr lang="en-GB" smtClean="0"/>
-              <a:t>21/06/2019</a:t>
+              <a:t>24/06/2019</a:t>
             </a:fld>
             <a:endParaRPr lang="en-GB"/>
           </a:p>
@@ -4608,7 +4617,7 @@
           <a:p>
             <a:fld id="{432668E7-1494-4367-8917-840B541A68C2}" type="datetimeFigureOut">
               <a:rPr lang="en-GB" smtClean="0"/>
-              <a:t>21/06/2019</a:t>
+              <a:t>24/06/2019</a:t>
             </a:fld>
             <a:endParaRPr lang="en-GB"/>
           </a:p>
@@ -4885,7 +4894,7 @@
           <a:p>
             <a:fld id="{432668E7-1494-4367-8917-840B541A68C2}" type="datetimeFigureOut">
               <a:rPr lang="en-GB" smtClean="0"/>
-              <a:t>21/06/2019</a:t>
+              <a:t>24/06/2019</a:t>
             </a:fld>
             <a:endParaRPr lang="en-GB"/>
           </a:p>
@@ -5138,7 +5147,7 @@
           <a:p>
             <a:fld id="{432668E7-1494-4367-8917-840B541A68C2}" type="datetimeFigureOut">
               <a:rPr lang="en-GB" smtClean="0"/>
-              <a:t>21/06/2019</a:t>
+              <a:t>24/06/2019</a:t>
             </a:fld>
             <a:endParaRPr lang="en-GB"/>
           </a:p>
@@ -5308,7 +5317,7 @@
           <a:p>
             <a:fld id="{432668E7-1494-4367-8917-840B541A68C2}" type="datetimeFigureOut">
               <a:rPr lang="en-GB" smtClean="0"/>
-              <a:t>21/06/2019</a:t>
+              <a:t>24/06/2019</a:t>
             </a:fld>
             <a:endParaRPr lang="en-GB"/>
           </a:p>
@@ -5488,7 +5497,7 @@
           <a:p>
             <a:fld id="{432668E7-1494-4367-8917-840B541A68C2}" type="datetimeFigureOut">
               <a:rPr lang="en-GB" smtClean="0"/>
-              <a:t>21/06/2019</a:t>
+              <a:t>24/06/2019</a:t>
             </a:fld>
             <a:endParaRPr lang="en-GB"/>
           </a:p>
@@ -5611,7 +5620,7 @@
           <a:p>
             <a:fld id="{AD47607F-D0CB-4AC6-9566-046428C59115}" type="datetime3">
               <a:rPr lang="en-US" smtClean="0"/>
-              <a:t>21 June 2019</a:t>
+              <a:t>24 June 2019</a:t>
             </a:fld>
             <a:endParaRPr lang="en-GB" dirty="0"/>
           </a:p>
@@ -5934,7 +5943,7 @@
           <a:p>
             <a:fld id="{2B25DCB4-1894-45C1-AC80-BB1CC7AB7AF3}" type="datetimeFigureOut">
               <a:rPr lang="en-GB" smtClean="0"/>
-              <a:t>21/06/2019</a:t>
+              <a:t>24/06/2019</a:t>
             </a:fld>
             <a:endParaRPr lang="en-GB"/>
           </a:p>
@@ -6437,7 +6446,7 @@
           <a:p>
             <a:fld id="{2B25DCB4-1894-45C1-AC80-BB1CC7AB7AF3}" type="datetimeFigureOut">
               <a:rPr lang="en-GB" smtClean="0"/>
-              <a:t>21/06/2019</a:t>
+              <a:t>24/06/2019</a:t>
             </a:fld>
             <a:endParaRPr lang="en-GB"/>
           </a:p>
@@ -6819,7 +6828,7 @@
           <a:p>
             <a:fld id="{2B25DCB4-1894-45C1-AC80-BB1CC7AB7AF3}" type="datetimeFigureOut">
               <a:rPr lang="en-GB" smtClean="0"/>
-              <a:t>21/06/2019</a:t>
+              <a:t>24/06/2019</a:t>
             </a:fld>
             <a:endParaRPr lang="en-GB"/>
           </a:p>
@@ -6937,7 +6946,7 @@
           <a:p>
             <a:fld id="{2B25DCB4-1894-45C1-AC80-BB1CC7AB7AF3}" type="datetimeFigureOut">
               <a:rPr lang="en-GB" smtClean="0"/>
-              <a:t>21/06/2019</a:t>
+              <a:t>24/06/2019</a:t>
             </a:fld>
             <a:endParaRPr lang="en-GB"/>
           </a:p>
@@ -7032,7 +7041,7 @@
           <a:p>
             <a:fld id="{2B25DCB4-1894-45C1-AC80-BB1CC7AB7AF3}" type="datetimeFigureOut">
               <a:rPr lang="en-GB" smtClean="0"/>
-              <a:t>21/06/2019</a:t>
+              <a:t>24/06/2019</a:t>
             </a:fld>
             <a:endParaRPr lang="en-GB"/>
           </a:p>
@@ -7287,7 +7296,7 @@
           <a:p>
             <a:fld id="{2B25DCB4-1894-45C1-AC80-BB1CC7AB7AF3}" type="datetimeFigureOut">
               <a:rPr lang="en-GB" smtClean="0"/>
-              <a:t>21/06/2019</a:t>
+              <a:t>24/06/2019</a:t>
             </a:fld>
             <a:endParaRPr lang="en-GB"/>
           </a:p>
@@ -7570,7 +7579,7 @@
           <a:p>
             <a:fld id="{2B25DCB4-1894-45C1-AC80-BB1CC7AB7AF3}" type="datetimeFigureOut">
               <a:rPr lang="en-GB" smtClean="0"/>
-              <a:t>21/06/2019</a:t>
+              <a:t>24/06/2019</a:t>
             </a:fld>
             <a:endParaRPr lang="en-GB"/>
           </a:p>
@@ -7976,7 +7985,7 @@
           <a:p>
             <a:fld id="{2B25DCB4-1894-45C1-AC80-BB1CC7AB7AF3}" type="datetimeFigureOut">
               <a:rPr lang="en-GB" smtClean="0"/>
-              <a:t>21/06/2019</a:t>
+              <a:t>24/06/2019</a:t>
             </a:fld>
             <a:endParaRPr lang="en-GB"/>
           </a:p>
@@ -8688,7 +8697,7 @@
           <a:p>
             <a:fld id="{432668E7-1494-4367-8917-840B541A68C2}" type="datetimeFigureOut">
               <a:rPr lang="en-GB" smtClean="0"/>
-              <a:t>21/06/2019</a:t>
+              <a:t>24/06/2019</a:t>
             </a:fld>
             <a:endParaRPr lang="en-GB"/>
           </a:p>
@@ -9183,11 +9192,7 @@
           <a:p>
             <a:r>
               <a:rPr lang="en-GB" dirty="0" smtClean="0"/>
-              <a:t>GitHub Contribution </a:t>
-            </a:r>
-            <a:r>
-              <a:rPr lang="en-GB" dirty="0" smtClean="0"/>
-              <a:t>guidelines</a:t>
+              <a:t>GitHub Contribution guidelines</a:t>
             </a:r>
             <a:endParaRPr lang="en-GB" dirty="0"/>
           </a:p>
@@ -9277,7 +9282,212 @@
                   </a:schemeClr>
                 </a:solidFill>
               </a:rPr>
-              <a:t>| </a:t>
+              <a:t>| GitHub – Create Pull Request.</a:t>
+            </a:r>
+            <a:endParaRPr lang="en-GB" sz="2667" b="0" dirty="0">
+              <a:solidFill>
+                <a:schemeClr val="bg1">
+                  <a:lumMod val="50000"/>
+                </a:schemeClr>
+              </a:solidFill>
+            </a:endParaRPr>
+          </a:p>
+        </p:txBody>
+      </p:sp>
+      <p:grpSp>
+        <p:nvGrpSpPr>
+          <p:cNvPr id="5" name="Group 4"/>
+          <p:cNvGrpSpPr/>
+          <p:nvPr/>
+        </p:nvGrpSpPr>
+        <p:grpSpPr>
+          <a:xfrm>
+            <a:off x="675408" y="1215736"/>
+            <a:ext cx="10006447" cy="592282"/>
+            <a:chOff x="675408" y="1215736"/>
+            <a:chExt cx="10006447" cy="592282"/>
+          </a:xfrm>
+        </p:grpSpPr>
+        <p:sp>
+          <p:nvSpPr>
+            <p:cNvPr id="4" name="Oval 3"/>
+            <p:cNvSpPr/>
+            <p:nvPr/>
+          </p:nvSpPr>
+          <p:spPr>
+            <a:xfrm>
+              <a:off x="675408" y="1215736"/>
+              <a:ext cx="571500" cy="592282"/>
+            </a:xfrm>
+            <a:prstGeom prst="ellipse">
+              <a:avLst/>
+            </a:prstGeom>
+            <a:solidFill>
+              <a:srgbClr val="FF0000"/>
+            </a:solidFill>
+          </p:spPr>
+          <p:style>
+            <a:lnRef idx="2">
+              <a:schemeClr val="accent1">
+                <a:shade val="50000"/>
+              </a:schemeClr>
+            </a:lnRef>
+            <a:fillRef idx="1">
+              <a:schemeClr val="accent1"/>
+            </a:fillRef>
+            <a:effectRef idx="0">
+              <a:schemeClr val="accent1"/>
+            </a:effectRef>
+            <a:fontRef idx="minor">
+              <a:schemeClr val="lt1"/>
+            </a:fontRef>
+          </p:style>
+          <p:txBody>
+            <a:bodyPr rtlCol="0" anchor="ctr"/>
+            <a:lstStyle/>
+            <a:p>
+              <a:pPr algn="ctr"/>
+              <a:r>
+                <a:rPr lang="en-GB" dirty="0"/>
+                <a:t>7</a:t>
+              </a:r>
+            </a:p>
+          </p:txBody>
+        </p:sp>
+        <p:sp>
+          <p:nvSpPr>
+            <p:cNvPr id="6" name="TextBox 5"/>
+            <p:cNvSpPr txBox="1"/>
+            <p:nvPr/>
+          </p:nvSpPr>
+          <p:spPr>
+            <a:xfrm>
+              <a:off x="1340091" y="1267690"/>
+              <a:ext cx="9341764" cy="523220"/>
+            </a:xfrm>
+            <a:prstGeom prst="rect">
+              <a:avLst/>
+            </a:prstGeom>
+            <a:noFill/>
+          </p:spPr>
+          <p:txBody>
+            <a:bodyPr wrap="square" rtlCol="0">
+              <a:spAutoFit/>
+            </a:bodyPr>
+            <a:lstStyle/>
+            <a:p>
+              <a:r>
+                <a:rPr lang="en-GB" sz="2800" dirty="0" smtClean="0"/>
+                <a:t>Create Pull Request for review.</a:t>
+              </a:r>
+              <a:endParaRPr lang="en-GB" sz="2800" dirty="0" smtClean="0">
+                <a:solidFill>
+                  <a:srgbClr val="00B050"/>
+                </a:solidFill>
+              </a:endParaRPr>
+            </a:p>
+          </p:txBody>
+        </p:sp>
+      </p:grpSp>
+      <p:pic>
+        <p:nvPicPr>
+          <p:cNvPr id="2" name="Picture 1"/>
+          <p:cNvPicPr>
+            <a:picLocks noChangeAspect="1"/>
+          </p:cNvPicPr>
+          <p:nvPr/>
+        </p:nvPicPr>
+        <p:blipFill>
+          <a:blip r:embed="rId2"/>
+          <a:stretch>
+            <a:fillRect/>
+          </a:stretch>
+        </p:blipFill>
+        <p:spPr>
+          <a:xfrm>
+            <a:off x="1340091" y="1989590"/>
+            <a:ext cx="9089139" cy="4805347"/>
+          </a:xfrm>
+          <a:prstGeom prst="rect">
+            <a:avLst/>
+          </a:prstGeom>
+        </p:spPr>
+      </p:pic>
+    </p:spTree>
+    <p:extLst>
+      <p:ext uri="{BB962C8B-B14F-4D97-AF65-F5344CB8AC3E}">
+        <p14:creationId xmlns:p14="http://schemas.microsoft.com/office/powerpoint/2010/main" val="2204317285"/>
+      </p:ext>
+    </p:extLst>
+  </p:cSld>
+  <p:clrMapOvr>
+    <a:masterClrMapping/>
+  </p:clrMapOvr>
+  <p:timing>
+    <p:tnLst>
+      <p:par>
+        <p:cTn id="1" dur="indefinite" restart="never" nodeType="tmRoot"/>
+      </p:par>
+    </p:tnLst>
+  </p:timing>
+</p:sld>
+</file>
+
+<file path=ppt/slides/slide11.xml><?xml version="1.0" encoding="utf-8"?>
+<p:sld xmlns:a="http://schemas.openxmlformats.org/drawingml/2006/main" xmlns:r="http://schemas.openxmlformats.org/officeDocument/2006/relationships" xmlns:p="http://schemas.openxmlformats.org/presentationml/2006/main">
+  <p:cSld>
+    <p:spTree>
+      <p:nvGrpSpPr>
+        <p:cNvPr id="1" name=""/>
+        <p:cNvGrpSpPr/>
+        <p:nvPr/>
+      </p:nvGrpSpPr>
+      <p:grpSpPr>
+        <a:xfrm>
+          <a:off x="0" y="0"/>
+          <a:ext cx="0" cy="0"/>
+          <a:chOff x="0" y="0"/>
+          <a:chExt cx="0" cy="0"/>
+        </a:xfrm>
+      </p:grpSpPr>
+      <p:sp>
+        <p:nvSpPr>
+          <p:cNvPr id="38" name="Title 5"/>
+          <p:cNvSpPr txBox="1">
+            <a:spLocks/>
+          </p:cNvSpPr>
+          <p:nvPr/>
+        </p:nvSpPr>
+        <p:spPr>
+          <a:xfrm>
+            <a:off x="436082" y="483783"/>
+            <a:ext cx="9963149" cy="585227"/>
+          </a:xfrm>
+        </p:spPr>
+        <p:txBody>
+          <a:bodyPr>
+            <a:noAutofit/>
+          </a:bodyPr>
+          <a:lstStyle>
+            <a:lvl1pPr algn="l" defTabSz="914400" rtl="0" eaLnBrk="1" latinLnBrk="0" hangingPunct="1">
+              <a:spcBef>
+                <a:spcPct val="0"/>
+              </a:spcBef>
+              <a:buNone/>
+              <a:defRPr sz="2000" b="1" kern="1200">
+                <a:solidFill>
+                  <a:schemeClr val="tx1"/>
+                </a:solidFill>
+                <a:latin typeface="Arial" panose="020B0604020202020204" pitchFamily="34" charset="0"/>
+                <a:ea typeface="+mj-ea"/>
+                <a:cs typeface="Arial" panose="020B0604020202020204" pitchFamily="34" charset="0"/>
+              </a:defRPr>
+            </a:lvl1pPr>
+          </a:lstStyle>
+          <a:p>
+            <a:r>
+              <a:rPr lang="en-GB" sz="2667" b="0" dirty="0" smtClean="0"/>
+              <a:t>CNTT Technology WG </a:t>
             </a:r>
             <a:r>
               <a:rPr lang="en-GB" sz="2667" b="0" dirty="0" smtClean="0">
@@ -9287,7 +9497,223 @@
                   </a:schemeClr>
                 </a:solidFill>
               </a:rPr>
-              <a:t>GitHub – Receive/Reply to Comments</a:t>
+              <a:t>| GitHub – Wait for Comments/Approvals</a:t>
+            </a:r>
+            <a:endParaRPr lang="en-GB" sz="2667" b="0" dirty="0">
+              <a:solidFill>
+                <a:schemeClr val="bg1">
+                  <a:lumMod val="50000"/>
+                </a:schemeClr>
+              </a:solidFill>
+            </a:endParaRPr>
+          </a:p>
+        </p:txBody>
+      </p:sp>
+      <p:grpSp>
+        <p:nvGrpSpPr>
+          <p:cNvPr id="5" name="Group 4"/>
+          <p:cNvGrpSpPr/>
+          <p:nvPr/>
+        </p:nvGrpSpPr>
+        <p:grpSpPr>
+          <a:xfrm>
+            <a:off x="675408" y="1215736"/>
+            <a:ext cx="10868891" cy="592282"/>
+            <a:chOff x="675408" y="1215736"/>
+            <a:chExt cx="10868891" cy="592282"/>
+          </a:xfrm>
+        </p:grpSpPr>
+        <p:sp>
+          <p:nvSpPr>
+            <p:cNvPr id="4" name="Oval 3"/>
+            <p:cNvSpPr/>
+            <p:nvPr/>
+          </p:nvSpPr>
+          <p:spPr>
+            <a:xfrm>
+              <a:off x="675408" y="1215736"/>
+              <a:ext cx="571500" cy="592282"/>
+            </a:xfrm>
+            <a:prstGeom prst="ellipse">
+              <a:avLst/>
+            </a:prstGeom>
+            <a:solidFill>
+              <a:srgbClr val="FF0000"/>
+            </a:solidFill>
+          </p:spPr>
+          <p:style>
+            <a:lnRef idx="2">
+              <a:schemeClr val="accent1">
+                <a:shade val="50000"/>
+              </a:schemeClr>
+            </a:lnRef>
+            <a:fillRef idx="1">
+              <a:schemeClr val="accent1"/>
+            </a:fillRef>
+            <a:effectRef idx="0">
+              <a:schemeClr val="accent1"/>
+            </a:effectRef>
+            <a:fontRef idx="minor">
+              <a:schemeClr val="lt1"/>
+            </a:fontRef>
+          </p:style>
+          <p:txBody>
+            <a:bodyPr rtlCol="0" anchor="ctr"/>
+            <a:lstStyle/>
+            <a:p>
+              <a:pPr algn="ctr"/>
+              <a:r>
+                <a:rPr lang="en-GB" dirty="0" smtClean="0"/>
+                <a:t>8</a:t>
+              </a:r>
+              <a:endParaRPr lang="en-GB" dirty="0"/>
+            </a:p>
+          </p:txBody>
+        </p:sp>
+        <p:sp>
+          <p:nvSpPr>
+            <p:cNvPr id="6" name="TextBox 5"/>
+            <p:cNvSpPr txBox="1"/>
+            <p:nvPr/>
+          </p:nvSpPr>
+          <p:spPr>
+            <a:xfrm>
+              <a:off x="1340090" y="1267690"/>
+              <a:ext cx="10204209" cy="523220"/>
+            </a:xfrm>
+            <a:prstGeom prst="rect">
+              <a:avLst/>
+            </a:prstGeom>
+            <a:noFill/>
+          </p:spPr>
+          <p:txBody>
+            <a:bodyPr wrap="square" rtlCol="0">
+              <a:spAutoFit/>
+            </a:bodyPr>
+            <a:lstStyle/>
+            <a:p>
+              <a:r>
+                <a:rPr lang="en-GB" sz="2800" dirty="0" smtClean="0"/>
+                <a:t>At any time, Check any open Pull Requests for comments and status.</a:t>
+              </a:r>
+              <a:endParaRPr lang="en-GB" sz="2800" dirty="0" smtClean="0">
+                <a:solidFill>
+                  <a:srgbClr val="00B050"/>
+                </a:solidFill>
+              </a:endParaRPr>
+            </a:p>
+          </p:txBody>
+        </p:sp>
+      </p:grpSp>
+      <p:pic>
+        <p:nvPicPr>
+          <p:cNvPr id="3" name="Picture 2"/>
+          <p:cNvPicPr>
+            <a:picLocks noChangeAspect="1"/>
+          </p:cNvPicPr>
+          <p:nvPr/>
+        </p:nvPicPr>
+        <p:blipFill>
+          <a:blip r:embed="rId2"/>
+          <a:stretch>
+            <a:fillRect/>
+          </a:stretch>
+        </p:blipFill>
+        <p:spPr>
+          <a:xfrm>
+            <a:off x="675408" y="2006698"/>
+            <a:ext cx="10737802" cy="4619672"/>
+          </a:xfrm>
+          <a:prstGeom prst="rect">
+            <a:avLst/>
+          </a:prstGeom>
+        </p:spPr>
+      </p:pic>
+    </p:spTree>
+    <p:extLst>
+      <p:ext uri="{BB962C8B-B14F-4D97-AF65-F5344CB8AC3E}">
+        <p14:creationId xmlns:p14="http://schemas.microsoft.com/office/powerpoint/2010/main" val="2646755023"/>
+      </p:ext>
+    </p:extLst>
+  </p:cSld>
+  <p:clrMapOvr>
+    <a:masterClrMapping/>
+  </p:clrMapOvr>
+  <p:timing>
+    <p:tnLst>
+      <p:par>
+        <p:cTn id="1" dur="indefinite" restart="never" nodeType="tmRoot"/>
+      </p:par>
+    </p:tnLst>
+  </p:timing>
+</p:sld>
+</file>
+
+<file path=ppt/slides/slide12.xml><?xml version="1.0" encoding="utf-8"?>
+<p:sld xmlns:a="http://schemas.openxmlformats.org/drawingml/2006/main" xmlns:r="http://schemas.openxmlformats.org/officeDocument/2006/relationships" xmlns:p="http://schemas.openxmlformats.org/presentationml/2006/main">
+  <p:cSld>
+    <p:spTree>
+      <p:nvGrpSpPr>
+        <p:cNvPr id="1" name=""/>
+        <p:cNvGrpSpPr/>
+        <p:nvPr/>
+      </p:nvGrpSpPr>
+      <p:grpSpPr>
+        <a:xfrm>
+          <a:off x="0" y="0"/>
+          <a:ext cx="0" cy="0"/>
+          <a:chOff x="0" y="0"/>
+          <a:chExt cx="0" cy="0"/>
+        </a:xfrm>
+      </p:grpSpPr>
+      <p:sp>
+        <p:nvSpPr>
+          <p:cNvPr id="38" name="Title 5"/>
+          <p:cNvSpPr txBox="1">
+            <a:spLocks/>
+          </p:cNvSpPr>
+          <p:nvPr/>
+        </p:nvSpPr>
+        <p:spPr>
+          <a:xfrm>
+            <a:off x="436082" y="483783"/>
+            <a:ext cx="9963149" cy="585227"/>
+          </a:xfrm>
+        </p:spPr>
+        <p:txBody>
+          <a:bodyPr>
+            <a:noAutofit/>
+          </a:bodyPr>
+          <a:lstStyle>
+            <a:lvl1pPr algn="l" defTabSz="914400" rtl="0" eaLnBrk="1" latinLnBrk="0" hangingPunct="1">
+              <a:spcBef>
+                <a:spcPct val="0"/>
+              </a:spcBef>
+              <a:buNone/>
+              <a:defRPr sz="2000" b="1" kern="1200">
+                <a:solidFill>
+                  <a:schemeClr val="tx1"/>
+                </a:solidFill>
+                <a:latin typeface="Arial" panose="020B0604020202020204" pitchFamily="34" charset="0"/>
+                <a:ea typeface="+mj-ea"/>
+                <a:cs typeface="Arial" panose="020B0604020202020204" pitchFamily="34" charset="0"/>
+              </a:defRPr>
+            </a:lvl1pPr>
+          </a:lstStyle>
+          <a:p>
+            <a:r>
+              <a:rPr lang="en-GB" sz="2667" b="0" dirty="0" smtClean="0"/>
+              <a:t>CNTT Technology WG </a:t>
+            </a:r>
+            <a:r>
+              <a:rPr lang="en-GB" sz="2667" b="0" dirty="0" smtClean="0">
+                <a:solidFill>
+                  <a:schemeClr val="bg1">
+                    <a:lumMod val="50000"/>
+                  </a:schemeClr>
+                </a:solidFill>
+              </a:rPr>
+              <a:t>| GitHub – Receive/Reply to Comments</a:t>
             </a:r>
             <a:endParaRPr lang="en-GB" sz="2667" b="0" dirty="0">
               <a:solidFill>
@@ -9356,7 +9782,6 @@
                 <a:rPr lang="en-GB" dirty="0"/>
                 <a:t>9</a:t>
               </a:r>
-              <a:endParaRPr lang="en-GB" dirty="0"/>
             </a:p>
           </p:txBody>
         </p:sp>
@@ -9439,7 +9864,7 @@
 </p:sld>
 </file>
 
-<file path=ppt/slides/slide11.xml><?xml version="1.0" encoding="utf-8"?>
+<file path=ppt/slides/slide13.xml><?xml version="1.0" encoding="utf-8"?>
 <p:sld xmlns:a="http://schemas.openxmlformats.org/drawingml/2006/main" xmlns:r="http://schemas.openxmlformats.org/officeDocument/2006/relationships" xmlns:p="http://schemas.openxmlformats.org/presentationml/2006/main">
   <p:cSld>
     <p:spTree>
@@ -9503,17 +9928,7 @@
                   </a:schemeClr>
                 </a:solidFill>
               </a:rPr>
-              <a:t>| </a:t>
-            </a:r>
-            <a:r>
-              <a:rPr lang="en-GB" sz="2667" b="0" dirty="0" smtClean="0">
-                <a:solidFill>
-                  <a:schemeClr val="bg1">
-                    <a:lumMod val="50000"/>
-                  </a:schemeClr>
-                </a:solidFill>
-              </a:rPr>
-              <a:t>GitHub – Update Pull Request</a:t>
+              <a:t>| GitHub – Update Pull Request</a:t>
             </a:r>
             <a:endParaRPr lang="en-GB" sz="2667" b="0" dirty="0">
               <a:solidFill>
@@ -9665,7 +10080,7 @@
 </p:sld>
 </file>
 
-<file path=ppt/slides/slide12.xml><?xml version="1.0" encoding="utf-8"?>
+<file path=ppt/slides/slide14.xml><?xml version="1.0" encoding="utf-8"?>
 <p:sld xmlns:a="http://schemas.openxmlformats.org/drawingml/2006/main" xmlns:r="http://schemas.openxmlformats.org/officeDocument/2006/relationships" xmlns:p="http://schemas.openxmlformats.org/presentationml/2006/main">
   <p:cSld>
     <p:spTree>
@@ -9729,27 +10144,7 @@
                   </a:schemeClr>
                 </a:solidFill>
               </a:rPr>
-              <a:t>| </a:t>
-            </a:r>
-            <a:r>
-              <a:rPr lang="en-GB" sz="2667" b="0" dirty="0" smtClean="0">
-                <a:solidFill>
-                  <a:schemeClr val="bg1">
-                    <a:lumMod val="50000"/>
-                  </a:schemeClr>
-                </a:solidFill>
-              </a:rPr>
-              <a:t>GitHub – commit </a:t>
-            </a:r>
-            <a:r>
-              <a:rPr lang="en-GB" sz="2667" b="0" dirty="0" smtClean="0">
-                <a:solidFill>
-                  <a:schemeClr val="bg1">
-                    <a:lumMod val="50000"/>
-                  </a:schemeClr>
-                </a:solidFill>
-              </a:rPr>
-              <a:t>new changes</a:t>
+              <a:t>| GitHub – commit new changes</a:t>
             </a:r>
             <a:endParaRPr lang="en-GB" sz="2667" b="0" dirty="0">
               <a:solidFill>
@@ -9901,7 +10296,7 @@
 </p:sld>
 </file>
 
-<file path=ppt/slides/slide13.xml><?xml version="1.0" encoding="utf-8"?>
+<file path=ppt/slides/slide15.xml><?xml version="1.0" encoding="utf-8"?>
 <p:sld xmlns:a="http://schemas.openxmlformats.org/drawingml/2006/main" xmlns:r="http://schemas.openxmlformats.org/officeDocument/2006/relationships" xmlns:p="http://schemas.openxmlformats.org/presentationml/2006/main">
   <p:cSld>
     <p:spTree>
@@ -9965,17 +10360,7 @@
                   </a:schemeClr>
                 </a:solidFill>
               </a:rPr>
-              <a:t>| </a:t>
-            </a:r>
-            <a:r>
-              <a:rPr lang="en-GB" sz="2667" b="0" dirty="0" smtClean="0">
-                <a:solidFill>
-                  <a:schemeClr val="bg1">
-                    <a:lumMod val="50000"/>
-                  </a:schemeClr>
-                </a:solidFill>
-              </a:rPr>
-              <a:t>GitHub – Address All comments</a:t>
+              <a:t>| GitHub – Address All comments</a:t>
             </a:r>
             <a:endParaRPr lang="en-GB" sz="2667" b="0" dirty="0">
               <a:solidFill>
@@ -10127,7 +10512,7 @@
 </p:sld>
 </file>
 
-<file path=ppt/slides/slide14.xml><?xml version="1.0" encoding="utf-8"?>
+<file path=ppt/slides/slide16.xml><?xml version="1.0" encoding="utf-8"?>
 <p:sld xmlns:a="http://schemas.openxmlformats.org/drawingml/2006/main" xmlns:r="http://schemas.openxmlformats.org/officeDocument/2006/relationships" xmlns:p="http://schemas.openxmlformats.org/presentationml/2006/main">
   <p:cSld>
     <p:spTree>
@@ -10191,17 +10576,7 @@
                   </a:schemeClr>
                 </a:solidFill>
               </a:rPr>
-              <a:t>| </a:t>
-            </a:r>
-            <a:r>
-              <a:rPr lang="en-GB" sz="2667" b="0" dirty="0" smtClean="0">
-                <a:solidFill>
-                  <a:schemeClr val="bg1">
-                    <a:lumMod val="50000"/>
-                  </a:schemeClr>
-                </a:solidFill>
-              </a:rPr>
-              <a:t>Merge &amp; Clean-ups</a:t>
+              <a:t>| Merge &amp; Clean-ups</a:t>
             </a:r>
             <a:endParaRPr lang="en-GB" sz="2667" b="0" dirty="0">
               <a:solidFill>
@@ -10318,9 +10693,9 @@
         <p:grpSpPr>
           <a:xfrm>
             <a:off x="675408" y="2006698"/>
-            <a:ext cx="10868891" cy="592282"/>
+            <a:ext cx="10868891" cy="1006061"/>
             <a:chOff x="675408" y="1215736"/>
-            <a:chExt cx="10868891" cy="592282"/>
+            <a:chExt cx="10868891" cy="1006061"/>
           </a:xfrm>
         </p:grpSpPr>
         <p:sp>
@@ -10379,7 +10754,7 @@
           <p:spPr>
             <a:xfrm>
               <a:off x="1340090" y="1267690"/>
-              <a:ext cx="10204209" cy="523220"/>
+              <a:ext cx="10204209" cy="954107"/>
             </a:xfrm>
             <a:prstGeom prst="rect">
               <a:avLst/>
@@ -10394,7 +10769,19 @@
             <a:p>
               <a:r>
                 <a:rPr lang="en-GB" sz="2800" dirty="0" smtClean="0"/>
-                <a:t>You can now delete your local branch once approved &amp; merged.</a:t>
+                <a:t>You can now delete your </a:t>
+              </a:r>
+              <a:r>
+                <a:rPr lang="en-GB" sz="2800" dirty="0" smtClean="0"/>
+                <a:t>account local </a:t>
+              </a:r>
+              <a:r>
+                <a:rPr lang="en-GB" sz="2800" dirty="0" smtClean="0"/>
+                <a:t>branch once approved &amp; </a:t>
+              </a:r>
+              <a:r>
+                <a:rPr lang="en-GB" sz="2800" dirty="0" smtClean="0"/>
+                <a:t>merged (optional).</a:t>
               </a:r>
               <a:endParaRPr lang="en-GB" sz="2800" dirty="0" smtClean="0">
                 <a:solidFill>
@@ -10449,7 +10836,7 @@
 </p:sld>
 </file>
 
-<file path=ppt/slides/slide15.xml><?xml version="1.0" encoding="utf-8"?>
+<file path=ppt/slides/slide17.xml><?xml version="1.0" encoding="utf-8"?>
 <p:sld xmlns:a="http://schemas.openxmlformats.org/drawingml/2006/main" xmlns:r="http://schemas.openxmlformats.org/officeDocument/2006/relationships" xmlns:p="http://schemas.openxmlformats.org/presentationml/2006/main">
   <p:cSld>
     <p:spTree>
@@ -10523,7 +10910,27 @@
                   </a:schemeClr>
                 </a:solidFill>
               </a:rPr>
-              <a:t>Others – Upload an image file</a:t>
+              <a:t>Upload </a:t>
+            </a:r>
+            <a:r>
+              <a:rPr lang="en-GB" sz="2667" b="0" dirty="0" smtClean="0">
+                <a:solidFill>
+                  <a:schemeClr val="bg1">
+                    <a:lumMod val="50000"/>
+                  </a:schemeClr>
+                </a:solidFill>
+              </a:rPr>
+              <a:t>an image </a:t>
+            </a:r>
+            <a:r>
+              <a:rPr lang="en-GB" sz="2667" b="0" dirty="0" smtClean="0">
+                <a:solidFill>
+                  <a:schemeClr val="bg1">
+                    <a:lumMod val="50000"/>
+                  </a:schemeClr>
+                </a:solidFill>
+              </a:rPr>
+              <a:t>file</a:t>
             </a:r>
             <a:endParaRPr lang="en-GB" sz="2667" b="0" dirty="0">
               <a:solidFill>
@@ -10544,9 +10951,9 @@
         <p:grpSpPr>
           <a:xfrm>
             <a:off x="675408" y="1215736"/>
-            <a:ext cx="10868891" cy="592282"/>
+            <a:ext cx="10868891" cy="1006061"/>
             <a:chOff x="675408" y="1215736"/>
-            <a:chExt cx="10868891" cy="592282"/>
+            <a:chExt cx="10868891" cy="1006061"/>
           </a:xfrm>
         </p:grpSpPr>
         <p:sp>
@@ -10592,7 +10999,7 @@
                 <a:rPr lang="en-GB" sz="1600" dirty="0" smtClean="0">
                   <a:latin typeface="Vodafone Rg" panose="020B0606080202020204" pitchFamily="34" charset="0"/>
                 </a:rPr>
-                <a:t>√</a:t>
+                <a:t>15</a:t>
               </a:r>
               <a:endParaRPr lang="en-GB" sz="1600" dirty="0"/>
             </a:p>
@@ -10607,7 +11014,7 @@
           <p:spPr>
             <a:xfrm>
               <a:off x="1340090" y="1267690"/>
-              <a:ext cx="10204209" cy="523220"/>
+              <a:ext cx="10204209" cy="954107"/>
             </a:xfrm>
             <a:prstGeom prst="rect">
               <a:avLst/>
@@ -10622,7 +11029,23 @@
             <a:p>
               <a:r>
                 <a:rPr lang="en-GB" sz="2800" dirty="0" smtClean="0"/>
-                <a:t>You can upload an image file to be used by Markdown file .</a:t>
+                <a:t>Fork CNTT master into your own account, by clicking on </a:t>
+              </a:r>
+              <a:r>
+                <a:rPr lang="en-GB" sz="2800" b="1" dirty="0" smtClean="0"/>
+                <a:t>fork</a:t>
+              </a:r>
+              <a:r>
+                <a:rPr lang="en-GB" sz="2800" dirty="0" smtClean="0"/>
+                <a:t> </a:t>
+              </a:r>
+              <a:r>
+                <a:rPr lang="en-GB" dirty="0" smtClean="0"/>
+                <a:t>(if you don’t already have a local branch)</a:t>
+              </a:r>
+              <a:r>
+                <a:rPr lang="en-GB" sz="2800" dirty="0" smtClean="0"/>
+                <a:t>.</a:t>
               </a:r>
               <a:endParaRPr lang="en-GB" sz="2800" dirty="0" smtClean="0">
                 <a:solidFill>
@@ -10635,7 +11058,7 @@
       </p:grpSp>
       <p:pic>
         <p:nvPicPr>
-          <p:cNvPr id="2" name="Picture 1"/>
+          <p:cNvPr id="3" name="Picture 2"/>
           <p:cNvPicPr>
             <a:picLocks noChangeAspect="1"/>
           </p:cNvPicPr>
@@ -10649,8 +11072,8 @@
         </p:blipFill>
         <p:spPr>
           <a:xfrm>
-            <a:off x="647700" y="1954744"/>
-            <a:ext cx="10896599" cy="4451999"/>
+            <a:off x="675408" y="2318228"/>
+            <a:ext cx="11009015" cy="4218760"/>
           </a:xfrm>
           <a:prstGeom prst="rect">
             <a:avLst/>
@@ -10660,7 +11083,7 @@
     </p:spTree>
     <p:extLst>
       <p:ext uri="{BB962C8B-B14F-4D97-AF65-F5344CB8AC3E}">
-        <p14:creationId xmlns:p14="http://schemas.microsoft.com/office/powerpoint/2010/main" val="356756409"/>
+        <p14:creationId xmlns:p14="http://schemas.microsoft.com/office/powerpoint/2010/main" val="3371043402"/>
       </p:ext>
     </p:extLst>
   </p:cSld>
@@ -10677,7 +11100,7 @@
 </p:sld>
 </file>
 
-<file path=ppt/slides/slide16.xml><?xml version="1.0" encoding="utf-8"?>
+<file path=ppt/slides/slide18.xml><?xml version="1.0" encoding="utf-8"?>
 <p:sld xmlns:a="http://schemas.openxmlformats.org/drawingml/2006/main" xmlns:r="http://schemas.openxmlformats.org/officeDocument/2006/relationships" xmlns:p="http://schemas.openxmlformats.org/presentationml/2006/main">
   <p:cSld>
     <p:spTree>
@@ -10696,49 +11119,491 @@
       </p:grpSpPr>
       <p:sp>
         <p:nvSpPr>
-          <p:cNvPr id="4" name="Title 3"/>
-          <p:cNvSpPr>
-            <a:spLocks noGrp="1"/>
-          </p:cNvSpPr>
-          <p:nvPr>
-            <p:ph type="ctrTitle"/>
-          </p:nvPr>
-        </p:nvSpPr>
-        <p:spPr/>
-        <p:txBody>
-          <a:bodyPr/>
-          <a:lstStyle/>
-          <a:p>
-            <a:r>
-              <a:rPr lang="en-GB" dirty="0"/>
-              <a:t>Thank you</a:t>
-            </a:r>
-          </a:p>
-        </p:txBody>
-      </p:sp>
-      <p:sp>
-        <p:nvSpPr>
-          <p:cNvPr id="2" name="Subtitle 1"/>
-          <p:cNvSpPr>
-            <a:spLocks noGrp="1"/>
-          </p:cNvSpPr>
-          <p:nvPr>
-            <p:ph type="subTitle" idx="1"/>
-          </p:nvPr>
-        </p:nvSpPr>
-        <p:spPr/>
-        <p:txBody>
-          <a:bodyPr/>
-          <a:lstStyle/>
-          <a:p>
-            <a:endParaRPr lang="en-GB"/>
-          </a:p>
-        </p:txBody>
-      </p:sp>
+          <p:cNvPr id="38" name="Title 5"/>
+          <p:cNvSpPr txBox="1">
+            <a:spLocks/>
+          </p:cNvSpPr>
+          <p:nvPr/>
+        </p:nvSpPr>
+        <p:spPr>
+          <a:xfrm>
+            <a:off x="436082" y="483783"/>
+            <a:ext cx="9963149" cy="585227"/>
+          </a:xfrm>
+        </p:spPr>
+        <p:txBody>
+          <a:bodyPr>
+            <a:noAutofit/>
+          </a:bodyPr>
+          <a:lstStyle>
+            <a:lvl1pPr algn="l" defTabSz="914400" rtl="0" eaLnBrk="1" latinLnBrk="0" hangingPunct="1">
+              <a:spcBef>
+                <a:spcPct val="0"/>
+              </a:spcBef>
+              <a:buNone/>
+              <a:defRPr sz="2000" b="1" kern="1200">
+                <a:solidFill>
+                  <a:schemeClr val="tx1"/>
+                </a:solidFill>
+                <a:latin typeface="Arial" panose="020B0604020202020204" pitchFamily="34" charset="0"/>
+                <a:ea typeface="+mj-ea"/>
+                <a:cs typeface="Arial" panose="020B0604020202020204" pitchFamily="34" charset="0"/>
+              </a:defRPr>
+            </a:lvl1pPr>
+          </a:lstStyle>
+          <a:p>
+            <a:r>
+              <a:rPr lang="en-GB" sz="2667" b="0" dirty="0" smtClean="0"/>
+              <a:t>CNTT Technology WG </a:t>
+            </a:r>
+            <a:r>
+              <a:rPr lang="en-GB" sz="2667" b="0" dirty="0" smtClean="0">
+                <a:solidFill>
+                  <a:schemeClr val="bg1">
+                    <a:lumMod val="50000"/>
+                  </a:schemeClr>
+                </a:solidFill>
+              </a:rPr>
+              <a:t>| </a:t>
+            </a:r>
+            <a:r>
+              <a:rPr lang="en-GB" sz="2667" b="0" dirty="0" smtClean="0">
+                <a:solidFill>
+                  <a:schemeClr val="bg1">
+                    <a:lumMod val="50000"/>
+                  </a:schemeClr>
+                </a:solidFill>
+              </a:rPr>
+              <a:t>Upload </a:t>
+            </a:r>
+            <a:r>
+              <a:rPr lang="en-GB" sz="2667" b="0" dirty="0" smtClean="0">
+                <a:solidFill>
+                  <a:schemeClr val="bg1">
+                    <a:lumMod val="50000"/>
+                  </a:schemeClr>
+                </a:solidFill>
+              </a:rPr>
+              <a:t>an image </a:t>
+            </a:r>
+            <a:r>
+              <a:rPr lang="en-GB" sz="2667" b="0" dirty="0" smtClean="0">
+                <a:solidFill>
+                  <a:schemeClr val="bg1">
+                    <a:lumMod val="50000"/>
+                  </a:schemeClr>
+                </a:solidFill>
+              </a:rPr>
+              <a:t>file 2</a:t>
+            </a:r>
+            <a:endParaRPr lang="en-GB" sz="2667" b="0" dirty="0">
+              <a:solidFill>
+                <a:schemeClr val="bg1">
+                  <a:lumMod val="50000"/>
+                </a:schemeClr>
+              </a:solidFill>
+            </a:endParaRPr>
+          </a:p>
+        </p:txBody>
+      </p:sp>
+      <p:grpSp>
+        <p:nvGrpSpPr>
+          <p:cNvPr id="5" name="Group 4"/>
+          <p:cNvGrpSpPr/>
+          <p:nvPr/>
+        </p:nvGrpSpPr>
+        <p:grpSpPr>
+          <a:xfrm>
+            <a:off x="675408" y="1215736"/>
+            <a:ext cx="10868891" cy="1006061"/>
+            <a:chOff x="675408" y="1215736"/>
+            <a:chExt cx="10868891" cy="1006061"/>
+          </a:xfrm>
+        </p:grpSpPr>
+        <p:sp>
+          <p:nvSpPr>
+            <p:cNvPr id="4" name="Oval 3"/>
+            <p:cNvSpPr/>
+            <p:nvPr/>
+          </p:nvSpPr>
+          <p:spPr>
+            <a:xfrm>
+              <a:off x="675408" y="1215736"/>
+              <a:ext cx="571500" cy="592282"/>
+            </a:xfrm>
+            <a:prstGeom prst="ellipse">
+              <a:avLst/>
+            </a:prstGeom>
+            <a:solidFill>
+              <a:srgbClr val="FF0000"/>
+            </a:solidFill>
+          </p:spPr>
+          <p:style>
+            <a:lnRef idx="2">
+              <a:schemeClr val="accent1">
+                <a:shade val="50000"/>
+              </a:schemeClr>
+            </a:lnRef>
+            <a:fillRef idx="1">
+              <a:schemeClr val="accent1"/>
+            </a:fillRef>
+            <a:effectRef idx="0">
+              <a:schemeClr val="accent1"/>
+            </a:effectRef>
+            <a:fontRef idx="minor">
+              <a:schemeClr val="lt1"/>
+            </a:fontRef>
+          </p:style>
+          <p:txBody>
+            <a:bodyPr rtlCol="0" anchor="ctr"/>
+            <a:lstStyle/>
+            <a:p>
+              <a:pPr algn="ctr"/>
+              <a:r>
+                <a:rPr lang="en-GB" sz="1600" dirty="0" smtClean="0">
+                  <a:latin typeface="Vodafone Rg" panose="020B0606080202020204" pitchFamily="34" charset="0"/>
+                </a:rPr>
+                <a:t>16</a:t>
+              </a:r>
+              <a:endParaRPr lang="en-GB" sz="1600" dirty="0"/>
+            </a:p>
+          </p:txBody>
+        </p:sp>
+        <p:sp>
+          <p:nvSpPr>
+            <p:cNvPr id="6" name="TextBox 5"/>
+            <p:cNvSpPr txBox="1"/>
+            <p:nvPr/>
+          </p:nvSpPr>
+          <p:spPr>
+            <a:xfrm>
+              <a:off x="1340090" y="1267690"/>
+              <a:ext cx="10204209" cy="954107"/>
+            </a:xfrm>
+            <a:prstGeom prst="rect">
+              <a:avLst/>
+            </a:prstGeom>
+            <a:noFill/>
+          </p:spPr>
+          <p:txBody>
+            <a:bodyPr wrap="square" rtlCol="0">
+              <a:spAutoFit/>
+            </a:bodyPr>
+            <a:lstStyle/>
+            <a:p>
+              <a:r>
+                <a:rPr lang="en-GB" sz="2800" dirty="0" smtClean="0"/>
+                <a:t>Check if you already have a local branch into your account and navigate to your own branch.</a:t>
+              </a:r>
+              <a:endParaRPr lang="en-GB" sz="2800" dirty="0" smtClean="0">
+                <a:solidFill>
+                  <a:srgbClr val="00B050"/>
+                </a:solidFill>
+              </a:endParaRPr>
+            </a:p>
+          </p:txBody>
+        </p:sp>
+      </p:grpSp>
+      <p:pic>
+        <p:nvPicPr>
+          <p:cNvPr id="7" name="Picture 6"/>
+          <p:cNvPicPr>
+            <a:picLocks noChangeAspect="1"/>
+          </p:cNvPicPr>
+          <p:nvPr/>
+        </p:nvPicPr>
+        <p:blipFill>
+          <a:blip r:embed="rId2"/>
+          <a:stretch>
+            <a:fillRect/>
+          </a:stretch>
+        </p:blipFill>
+        <p:spPr>
+          <a:xfrm>
+            <a:off x="1031131" y="2221797"/>
+            <a:ext cx="10267747" cy="4325702"/>
+          </a:xfrm>
+          <a:prstGeom prst="rect">
+            <a:avLst/>
+          </a:prstGeom>
+        </p:spPr>
+      </p:pic>
     </p:spTree>
     <p:extLst>
       <p:ext uri="{BB962C8B-B14F-4D97-AF65-F5344CB8AC3E}">
-        <p14:creationId xmlns:p14="http://schemas.microsoft.com/office/powerpoint/2010/main" val="2989354834"/>
+        <p14:creationId xmlns:p14="http://schemas.microsoft.com/office/powerpoint/2010/main" val="3859985346"/>
+      </p:ext>
+    </p:extLst>
+  </p:cSld>
+  <p:clrMapOvr>
+    <a:masterClrMapping/>
+  </p:clrMapOvr>
+  <p:timing>
+    <p:tnLst>
+      <p:par>
+        <p:cTn id="1" dur="indefinite" restart="never" nodeType="tmRoot"/>
+      </p:par>
+    </p:tnLst>
+  </p:timing>
+</p:sld>
+</file>
+
+<file path=ppt/slides/slide19.xml><?xml version="1.0" encoding="utf-8"?>
+<p:sld xmlns:a="http://schemas.openxmlformats.org/drawingml/2006/main" xmlns:r="http://schemas.openxmlformats.org/officeDocument/2006/relationships" xmlns:p="http://schemas.openxmlformats.org/presentationml/2006/main">
+  <p:cSld>
+    <p:spTree>
+      <p:nvGrpSpPr>
+        <p:cNvPr id="1" name=""/>
+        <p:cNvGrpSpPr/>
+        <p:nvPr/>
+      </p:nvGrpSpPr>
+      <p:grpSpPr>
+        <a:xfrm>
+          <a:off x="0" y="0"/>
+          <a:ext cx="0" cy="0"/>
+          <a:chOff x="0" y="0"/>
+          <a:chExt cx="0" cy="0"/>
+        </a:xfrm>
+      </p:grpSpPr>
+      <p:sp>
+        <p:nvSpPr>
+          <p:cNvPr id="38" name="Title 5"/>
+          <p:cNvSpPr txBox="1">
+            <a:spLocks/>
+          </p:cNvSpPr>
+          <p:nvPr/>
+        </p:nvSpPr>
+        <p:spPr>
+          <a:xfrm>
+            <a:off x="436082" y="483783"/>
+            <a:ext cx="9963149" cy="585227"/>
+          </a:xfrm>
+        </p:spPr>
+        <p:txBody>
+          <a:bodyPr>
+            <a:noAutofit/>
+          </a:bodyPr>
+          <a:lstStyle>
+            <a:lvl1pPr algn="l" defTabSz="914400" rtl="0" eaLnBrk="1" latinLnBrk="0" hangingPunct="1">
+              <a:spcBef>
+                <a:spcPct val="0"/>
+              </a:spcBef>
+              <a:buNone/>
+              <a:defRPr sz="2000" b="1" kern="1200">
+                <a:solidFill>
+                  <a:schemeClr val="tx1"/>
+                </a:solidFill>
+                <a:latin typeface="Arial" panose="020B0604020202020204" pitchFamily="34" charset="0"/>
+                <a:ea typeface="+mj-ea"/>
+                <a:cs typeface="Arial" panose="020B0604020202020204" pitchFamily="34" charset="0"/>
+              </a:defRPr>
+            </a:lvl1pPr>
+          </a:lstStyle>
+          <a:p>
+            <a:r>
+              <a:rPr lang="en-GB" sz="2667" b="0" dirty="0" smtClean="0"/>
+              <a:t>CNTT Technology WG </a:t>
+            </a:r>
+            <a:r>
+              <a:rPr lang="en-GB" sz="2667" b="0" dirty="0" smtClean="0">
+                <a:solidFill>
+                  <a:schemeClr val="bg1">
+                    <a:lumMod val="50000"/>
+                  </a:schemeClr>
+                </a:solidFill>
+              </a:rPr>
+              <a:t>| </a:t>
+            </a:r>
+            <a:r>
+              <a:rPr lang="en-GB" sz="2667" b="0" dirty="0" smtClean="0">
+                <a:solidFill>
+                  <a:schemeClr val="bg1">
+                    <a:lumMod val="50000"/>
+                  </a:schemeClr>
+                </a:solidFill>
+              </a:rPr>
+              <a:t>Upload </a:t>
+            </a:r>
+            <a:r>
+              <a:rPr lang="en-GB" sz="2667" b="0" dirty="0" smtClean="0">
+                <a:solidFill>
+                  <a:schemeClr val="bg1">
+                    <a:lumMod val="50000"/>
+                  </a:schemeClr>
+                </a:solidFill>
+              </a:rPr>
+              <a:t>an image </a:t>
+            </a:r>
+            <a:r>
+              <a:rPr lang="en-GB" sz="2667" b="0" dirty="0" smtClean="0">
+                <a:solidFill>
+                  <a:schemeClr val="bg1">
+                    <a:lumMod val="50000"/>
+                  </a:schemeClr>
+                </a:solidFill>
+              </a:rPr>
+              <a:t>file - 3</a:t>
+            </a:r>
+            <a:endParaRPr lang="en-GB" sz="2667" b="0" dirty="0">
+              <a:solidFill>
+                <a:schemeClr val="bg1">
+                  <a:lumMod val="50000"/>
+                </a:schemeClr>
+              </a:solidFill>
+            </a:endParaRPr>
+          </a:p>
+        </p:txBody>
+      </p:sp>
+      <p:grpSp>
+        <p:nvGrpSpPr>
+          <p:cNvPr id="5" name="Group 4"/>
+          <p:cNvGrpSpPr/>
+          <p:nvPr/>
+        </p:nvGrpSpPr>
+        <p:grpSpPr>
+          <a:xfrm>
+            <a:off x="675408" y="1215736"/>
+            <a:ext cx="11182609" cy="592282"/>
+            <a:chOff x="675408" y="1215736"/>
+            <a:chExt cx="11182609" cy="592282"/>
+          </a:xfrm>
+        </p:grpSpPr>
+        <p:sp>
+          <p:nvSpPr>
+            <p:cNvPr id="4" name="Oval 3"/>
+            <p:cNvSpPr/>
+            <p:nvPr/>
+          </p:nvSpPr>
+          <p:spPr>
+            <a:xfrm>
+              <a:off x="675408" y="1215736"/>
+              <a:ext cx="571500" cy="592282"/>
+            </a:xfrm>
+            <a:prstGeom prst="ellipse">
+              <a:avLst/>
+            </a:prstGeom>
+            <a:solidFill>
+              <a:srgbClr val="FF0000"/>
+            </a:solidFill>
+          </p:spPr>
+          <p:style>
+            <a:lnRef idx="2">
+              <a:schemeClr val="accent1">
+                <a:shade val="50000"/>
+              </a:schemeClr>
+            </a:lnRef>
+            <a:fillRef idx="1">
+              <a:schemeClr val="accent1"/>
+            </a:fillRef>
+            <a:effectRef idx="0">
+              <a:schemeClr val="accent1"/>
+            </a:effectRef>
+            <a:fontRef idx="minor">
+              <a:schemeClr val="lt1"/>
+            </a:fontRef>
+          </p:style>
+          <p:txBody>
+            <a:bodyPr rtlCol="0" anchor="ctr"/>
+            <a:lstStyle/>
+            <a:p>
+              <a:pPr algn="ctr"/>
+              <a:r>
+                <a:rPr lang="en-GB" sz="1600" dirty="0" smtClean="0">
+                  <a:latin typeface="Vodafone Rg" panose="020B0606080202020204" pitchFamily="34" charset="0"/>
+                </a:rPr>
+                <a:t>17</a:t>
+              </a:r>
+              <a:endParaRPr lang="en-GB" sz="1600" dirty="0"/>
+            </a:p>
+          </p:txBody>
+        </p:sp>
+        <p:sp>
+          <p:nvSpPr>
+            <p:cNvPr id="6" name="TextBox 5"/>
+            <p:cNvSpPr txBox="1"/>
+            <p:nvPr/>
+          </p:nvSpPr>
+          <p:spPr>
+            <a:xfrm>
+              <a:off x="1340090" y="1267690"/>
+              <a:ext cx="10517927" cy="523220"/>
+            </a:xfrm>
+            <a:prstGeom prst="rect">
+              <a:avLst/>
+            </a:prstGeom>
+            <a:noFill/>
+          </p:spPr>
+          <p:txBody>
+            <a:bodyPr wrap="square" rtlCol="0">
+              <a:spAutoFit/>
+            </a:bodyPr>
+            <a:lstStyle/>
+            <a:p>
+              <a:r>
+                <a:rPr lang="en-GB" sz="2800" dirty="0" smtClean="0"/>
+                <a:t>Navigate to </a:t>
+              </a:r>
+              <a:r>
+                <a:rPr lang="en-GB" sz="2800" b="1" dirty="0" smtClean="0"/>
+                <a:t>figures</a:t>
+              </a:r>
+              <a:r>
+                <a:rPr lang="en-GB" sz="2800" dirty="0" smtClean="0"/>
+                <a:t> directory within </a:t>
+              </a:r>
+              <a:r>
+                <a:rPr lang="en-GB" sz="2800" b="1" dirty="0" smtClean="0">
+                  <a:solidFill>
+                    <a:srgbClr val="FF0000"/>
+                  </a:solidFill>
+                </a:rPr>
+                <a:t>your own branch </a:t>
+              </a:r>
+              <a:r>
+                <a:rPr lang="en-GB" sz="1600" b="1" dirty="0" smtClean="0"/>
+                <a:t>and upload your file in there</a:t>
+              </a:r>
+              <a:r>
+                <a:rPr lang="en-GB" sz="1600" dirty="0" smtClean="0"/>
+                <a:t>.</a:t>
+              </a:r>
+              <a:endParaRPr lang="en-GB" sz="1600" dirty="0" smtClean="0">
+                <a:solidFill>
+                  <a:srgbClr val="00B050"/>
+                </a:solidFill>
+              </a:endParaRPr>
+            </a:p>
+          </p:txBody>
+        </p:sp>
+      </p:grpSp>
+      <p:pic>
+        <p:nvPicPr>
+          <p:cNvPr id="7" name="Picture 6"/>
+          <p:cNvPicPr>
+            <a:picLocks noChangeAspect="1"/>
+          </p:cNvPicPr>
+          <p:nvPr/>
+        </p:nvPicPr>
+        <p:blipFill>
+          <a:blip r:embed="rId2"/>
+          <a:stretch>
+            <a:fillRect/>
+          </a:stretch>
+        </p:blipFill>
+        <p:spPr>
+          <a:xfrm>
+            <a:off x="1828798" y="1989590"/>
+            <a:ext cx="8940023" cy="4651813"/>
+          </a:xfrm>
+          <a:prstGeom prst="rect">
+            <a:avLst/>
+          </a:prstGeom>
+        </p:spPr>
+      </p:pic>
+    </p:spTree>
+    <p:extLst>
+      <p:ext uri="{BB962C8B-B14F-4D97-AF65-F5344CB8AC3E}">
+        <p14:creationId xmlns:p14="http://schemas.microsoft.com/office/powerpoint/2010/main" val="356756409"/>
       </p:ext>
     </p:extLst>
   </p:cSld>
@@ -10819,17 +11684,7 @@
                   </a:schemeClr>
                 </a:solidFill>
               </a:rPr>
-              <a:t>| </a:t>
-            </a:r>
-            <a:r>
-              <a:rPr lang="en-GB" sz="2667" b="0" dirty="0" smtClean="0">
-                <a:solidFill>
-                  <a:schemeClr val="bg1">
-                    <a:lumMod val="50000"/>
-                  </a:schemeClr>
-                </a:solidFill>
-              </a:rPr>
-              <a:t>GitHub – important links</a:t>
+              <a:t>| GitHub – important links</a:t>
             </a:r>
             <a:endParaRPr lang="en-GB" sz="2667" b="0" dirty="0">
               <a:solidFill>
@@ -10994,6 +11849,1376 @@
     <p:extLst>
       <p:ext uri="{BB962C8B-B14F-4D97-AF65-F5344CB8AC3E}">
         <p14:creationId xmlns:p14="http://schemas.microsoft.com/office/powerpoint/2010/main" val="3207285181"/>
+      </p:ext>
+    </p:extLst>
+  </p:cSld>
+  <p:clrMapOvr>
+    <a:masterClrMapping/>
+  </p:clrMapOvr>
+  <p:timing>
+    <p:tnLst>
+      <p:par>
+        <p:cTn id="1" dur="indefinite" restart="never" nodeType="tmRoot"/>
+      </p:par>
+    </p:tnLst>
+  </p:timing>
+</p:sld>
+</file>
+
+<file path=ppt/slides/slide20.xml><?xml version="1.0" encoding="utf-8"?>
+<p:sld xmlns:a="http://schemas.openxmlformats.org/drawingml/2006/main" xmlns:r="http://schemas.openxmlformats.org/officeDocument/2006/relationships" xmlns:p="http://schemas.openxmlformats.org/presentationml/2006/main">
+  <p:cSld>
+    <p:spTree>
+      <p:nvGrpSpPr>
+        <p:cNvPr id="1" name=""/>
+        <p:cNvGrpSpPr/>
+        <p:nvPr/>
+      </p:nvGrpSpPr>
+      <p:grpSpPr>
+        <a:xfrm>
+          <a:off x="0" y="0"/>
+          <a:ext cx="0" cy="0"/>
+          <a:chOff x="0" y="0"/>
+          <a:chExt cx="0" cy="0"/>
+        </a:xfrm>
+      </p:grpSpPr>
+      <p:sp>
+        <p:nvSpPr>
+          <p:cNvPr id="38" name="Title 5"/>
+          <p:cNvSpPr txBox="1">
+            <a:spLocks/>
+          </p:cNvSpPr>
+          <p:nvPr/>
+        </p:nvSpPr>
+        <p:spPr>
+          <a:xfrm>
+            <a:off x="436082" y="483783"/>
+            <a:ext cx="9963149" cy="585227"/>
+          </a:xfrm>
+        </p:spPr>
+        <p:txBody>
+          <a:bodyPr>
+            <a:noAutofit/>
+          </a:bodyPr>
+          <a:lstStyle>
+            <a:lvl1pPr algn="l" defTabSz="914400" rtl="0" eaLnBrk="1" latinLnBrk="0" hangingPunct="1">
+              <a:spcBef>
+                <a:spcPct val="0"/>
+              </a:spcBef>
+              <a:buNone/>
+              <a:defRPr sz="2000" b="1" kern="1200">
+                <a:solidFill>
+                  <a:schemeClr val="tx1"/>
+                </a:solidFill>
+                <a:latin typeface="Arial" panose="020B0604020202020204" pitchFamily="34" charset="0"/>
+                <a:ea typeface="+mj-ea"/>
+                <a:cs typeface="Arial" panose="020B0604020202020204" pitchFamily="34" charset="0"/>
+              </a:defRPr>
+            </a:lvl1pPr>
+          </a:lstStyle>
+          <a:p>
+            <a:r>
+              <a:rPr lang="en-GB" sz="2667" b="0" dirty="0" smtClean="0"/>
+              <a:t>CNTT Technology WG </a:t>
+            </a:r>
+            <a:r>
+              <a:rPr lang="en-GB" sz="2667" b="0" dirty="0" smtClean="0">
+                <a:solidFill>
+                  <a:schemeClr val="bg1">
+                    <a:lumMod val="50000"/>
+                  </a:schemeClr>
+                </a:solidFill>
+              </a:rPr>
+              <a:t>| </a:t>
+            </a:r>
+            <a:r>
+              <a:rPr lang="en-GB" sz="2667" b="0" dirty="0" smtClean="0">
+                <a:solidFill>
+                  <a:schemeClr val="bg1">
+                    <a:lumMod val="50000"/>
+                  </a:schemeClr>
+                </a:solidFill>
+              </a:rPr>
+              <a:t>Upload </a:t>
+            </a:r>
+            <a:r>
+              <a:rPr lang="en-GB" sz="2667" b="0" dirty="0" smtClean="0">
+                <a:solidFill>
+                  <a:schemeClr val="bg1">
+                    <a:lumMod val="50000"/>
+                  </a:schemeClr>
+                </a:solidFill>
+              </a:rPr>
+              <a:t>an image </a:t>
+            </a:r>
+            <a:r>
+              <a:rPr lang="en-GB" sz="2667" b="0" dirty="0" smtClean="0">
+                <a:solidFill>
+                  <a:schemeClr val="bg1">
+                    <a:lumMod val="50000"/>
+                  </a:schemeClr>
+                </a:solidFill>
+              </a:rPr>
+              <a:t>file - 4</a:t>
+            </a:r>
+            <a:endParaRPr lang="en-GB" sz="2667" b="0" dirty="0">
+              <a:solidFill>
+                <a:schemeClr val="bg1">
+                  <a:lumMod val="50000"/>
+                </a:schemeClr>
+              </a:solidFill>
+            </a:endParaRPr>
+          </a:p>
+        </p:txBody>
+      </p:sp>
+      <p:grpSp>
+        <p:nvGrpSpPr>
+          <p:cNvPr id="5" name="Group 4"/>
+          <p:cNvGrpSpPr/>
+          <p:nvPr/>
+        </p:nvGrpSpPr>
+        <p:grpSpPr>
+          <a:xfrm>
+            <a:off x="675408" y="1215736"/>
+            <a:ext cx="11182609" cy="592282"/>
+            <a:chOff x="675408" y="1215736"/>
+            <a:chExt cx="11182609" cy="592282"/>
+          </a:xfrm>
+        </p:grpSpPr>
+        <p:sp>
+          <p:nvSpPr>
+            <p:cNvPr id="4" name="Oval 3"/>
+            <p:cNvSpPr/>
+            <p:nvPr/>
+          </p:nvSpPr>
+          <p:spPr>
+            <a:xfrm>
+              <a:off x="675408" y="1215736"/>
+              <a:ext cx="571500" cy="592282"/>
+            </a:xfrm>
+            <a:prstGeom prst="ellipse">
+              <a:avLst/>
+            </a:prstGeom>
+            <a:solidFill>
+              <a:srgbClr val="FF0000"/>
+            </a:solidFill>
+          </p:spPr>
+          <p:style>
+            <a:lnRef idx="2">
+              <a:schemeClr val="accent1">
+                <a:shade val="50000"/>
+              </a:schemeClr>
+            </a:lnRef>
+            <a:fillRef idx="1">
+              <a:schemeClr val="accent1"/>
+            </a:fillRef>
+            <a:effectRef idx="0">
+              <a:schemeClr val="accent1"/>
+            </a:effectRef>
+            <a:fontRef idx="minor">
+              <a:schemeClr val="lt1"/>
+            </a:fontRef>
+          </p:style>
+          <p:txBody>
+            <a:bodyPr rtlCol="0" anchor="ctr"/>
+            <a:lstStyle/>
+            <a:p>
+              <a:pPr algn="ctr"/>
+              <a:r>
+                <a:rPr lang="en-GB" sz="1600" dirty="0" smtClean="0">
+                  <a:latin typeface="Vodafone Rg" panose="020B0606080202020204" pitchFamily="34" charset="0"/>
+                </a:rPr>
+                <a:t>18</a:t>
+              </a:r>
+              <a:endParaRPr lang="en-GB" sz="1600" dirty="0"/>
+            </a:p>
+          </p:txBody>
+        </p:sp>
+        <p:sp>
+          <p:nvSpPr>
+            <p:cNvPr id="6" name="TextBox 5"/>
+            <p:cNvSpPr txBox="1"/>
+            <p:nvPr/>
+          </p:nvSpPr>
+          <p:spPr>
+            <a:xfrm>
+              <a:off x="1340090" y="1267690"/>
+              <a:ext cx="10517927" cy="523220"/>
+            </a:xfrm>
+            <a:prstGeom prst="rect">
+              <a:avLst/>
+            </a:prstGeom>
+            <a:noFill/>
+          </p:spPr>
+          <p:txBody>
+            <a:bodyPr wrap="square" rtlCol="0">
+              <a:spAutoFit/>
+            </a:bodyPr>
+            <a:lstStyle/>
+            <a:p>
+              <a:r>
+                <a:rPr lang="en-GB" sz="2800" dirty="0" smtClean="0"/>
+                <a:t>Commit file directly into master branch (within your own branch)</a:t>
+              </a:r>
+              <a:r>
+                <a:rPr lang="en-GB" sz="1600" dirty="0" smtClean="0"/>
+                <a:t>.</a:t>
+              </a:r>
+              <a:endParaRPr lang="en-GB" sz="1600" dirty="0" smtClean="0">
+                <a:solidFill>
+                  <a:srgbClr val="00B050"/>
+                </a:solidFill>
+              </a:endParaRPr>
+            </a:p>
+          </p:txBody>
+        </p:sp>
+      </p:grpSp>
+      <p:pic>
+        <p:nvPicPr>
+          <p:cNvPr id="2" name="Picture 1"/>
+          <p:cNvPicPr>
+            <a:picLocks noChangeAspect="1"/>
+          </p:cNvPicPr>
+          <p:nvPr/>
+        </p:nvPicPr>
+        <p:blipFill>
+          <a:blip r:embed="rId2"/>
+          <a:stretch>
+            <a:fillRect/>
+          </a:stretch>
+        </p:blipFill>
+        <p:spPr>
+          <a:xfrm>
+            <a:off x="179354" y="2173252"/>
+            <a:ext cx="11678663" cy="4026344"/>
+          </a:xfrm>
+          <a:prstGeom prst="rect">
+            <a:avLst/>
+          </a:prstGeom>
+        </p:spPr>
+      </p:pic>
+    </p:spTree>
+    <p:extLst>
+      <p:ext uri="{BB962C8B-B14F-4D97-AF65-F5344CB8AC3E}">
+        <p14:creationId xmlns:p14="http://schemas.microsoft.com/office/powerpoint/2010/main" val="852707654"/>
+      </p:ext>
+    </p:extLst>
+  </p:cSld>
+  <p:clrMapOvr>
+    <a:masterClrMapping/>
+  </p:clrMapOvr>
+  <p:timing>
+    <p:tnLst>
+      <p:par>
+        <p:cTn id="1" dur="indefinite" restart="never" nodeType="tmRoot"/>
+      </p:par>
+    </p:tnLst>
+  </p:timing>
+</p:sld>
+</file>
+
+<file path=ppt/slides/slide21.xml><?xml version="1.0" encoding="utf-8"?>
+<p:sld xmlns:a="http://schemas.openxmlformats.org/drawingml/2006/main" xmlns:r="http://schemas.openxmlformats.org/officeDocument/2006/relationships" xmlns:p="http://schemas.openxmlformats.org/presentationml/2006/main">
+  <p:cSld>
+    <p:spTree>
+      <p:nvGrpSpPr>
+        <p:cNvPr id="1" name=""/>
+        <p:cNvGrpSpPr/>
+        <p:nvPr/>
+      </p:nvGrpSpPr>
+      <p:grpSpPr>
+        <a:xfrm>
+          <a:off x="0" y="0"/>
+          <a:ext cx="0" cy="0"/>
+          <a:chOff x="0" y="0"/>
+          <a:chExt cx="0" cy="0"/>
+        </a:xfrm>
+      </p:grpSpPr>
+      <p:sp>
+        <p:nvSpPr>
+          <p:cNvPr id="38" name="Title 5"/>
+          <p:cNvSpPr txBox="1">
+            <a:spLocks/>
+          </p:cNvSpPr>
+          <p:nvPr/>
+        </p:nvSpPr>
+        <p:spPr>
+          <a:xfrm>
+            <a:off x="436082" y="483783"/>
+            <a:ext cx="9963149" cy="585227"/>
+          </a:xfrm>
+        </p:spPr>
+        <p:txBody>
+          <a:bodyPr>
+            <a:noAutofit/>
+          </a:bodyPr>
+          <a:lstStyle>
+            <a:lvl1pPr algn="l" defTabSz="914400" rtl="0" eaLnBrk="1" latinLnBrk="0" hangingPunct="1">
+              <a:spcBef>
+                <a:spcPct val="0"/>
+              </a:spcBef>
+              <a:buNone/>
+              <a:defRPr sz="2000" b="1" kern="1200">
+                <a:solidFill>
+                  <a:schemeClr val="tx1"/>
+                </a:solidFill>
+                <a:latin typeface="Arial" panose="020B0604020202020204" pitchFamily="34" charset="0"/>
+                <a:ea typeface="+mj-ea"/>
+                <a:cs typeface="Arial" panose="020B0604020202020204" pitchFamily="34" charset="0"/>
+              </a:defRPr>
+            </a:lvl1pPr>
+          </a:lstStyle>
+          <a:p>
+            <a:r>
+              <a:rPr lang="en-GB" sz="2667" b="0" dirty="0" smtClean="0"/>
+              <a:t>CNTT Technology WG </a:t>
+            </a:r>
+            <a:r>
+              <a:rPr lang="en-GB" sz="2667" b="0" dirty="0" smtClean="0">
+                <a:solidFill>
+                  <a:schemeClr val="bg1">
+                    <a:lumMod val="50000"/>
+                  </a:schemeClr>
+                </a:solidFill>
+              </a:rPr>
+              <a:t>| </a:t>
+            </a:r>
+            <a:r>
+              <a:rPr lang="en-GB" sz="2667" b="0" dirty="0" smtClean="0">
+                <a:solidFill>
+                  <a:schemeClr val="bg1">
+                    <a:lumMod val="50000"/>
+                  </a:schemeClr>
+                </a:solidFill>
+              </a:rPr>
+              <a:t>Upload </a:t>
+            </a:r>
+            <a:r>
+              <a:rPr lang="en-GB" sz="2667" b="0" dirty="0" smtClean="0">
+                <a:solidFill>
+                  <a:schemeClr val="bg1">
+                    <a:lumMod val="50000"/>
+                  </a:schemeClr>
+                </a:solidFill>
+              </a:rPr>
+              <a:t>an image </a:t>
+            </a:r>
+            <a:r>
+              <a:rPr lang="en-GB" sz="2667" b="0" dirty="0" smtClean="0">
+                <a:solidFill>
+                  <a:schemeClr val="bg1">
+                    <a:lumMod val="50000"/>
+                  </a:schemeClr>
+                </a:solidFill>
+              </a:rPr>
+              <a:t>file - 5</a:t>
+            </a:r>
+            <a:endParaRPr lang="en-GB" sz="2667" b="0" dirty="0">
+              <a:solidFill>
+                <a:schemeClr val="bg1">
+                  <a:lumMod val="50000"/>
+                </a:schemeClr>
+              </a:solidFill>
+            </a:endParaRPr>
+          </a:p>
+        </p:txBody>
+      </p:sp>
+      <p:grpSp>
+        <p:nvGrpSpPr>
+          <p:cNvPr id="5" name="Group 4"/>
+          <p:cNvGrpSpPr/>
+          <p:nvPr/>
+        </p:nvGrpSpPr>
+        <p:grpSpPr>
+          <a:xfrm>
+            <a:off x="675408" y="1215736"/>
+            <a:ext cx="11182609" cy="592282"/>
+            <a:chOff x="675408" y="1215736"/>
+            <a:chExt cx="11182609" cy="592282"/>
+          </a:xfrm>
+        </p:grpSpPr>
+        <p:sp>
+          <p:nvSpPr>
+            <p:cNvPr id="4" name="Oval 3"/>
+            <p:cNvSpPr/>
+            <p:nvPr/>
+          </p:nvSpPr>
+          <p:spPr>
+            <a:xfrm>
+              <a:off x="675408" y="1215736"/>
+              <a:ext cx="571500" cy="592282"/>
+            </a:xfrm>
+            <a:prstGeom prst="ellipse">
+              <a:avLst/>
+            </a:prstGeom>
+            <a:solidFill>
+              <a:srgbClr val="FF0000"/>
+            </a:solidFill>
+          </p:spPr>
+          <p:style>
+            <a:lnRef idx="2">
+              <a:schemeClr val="accent1">
+                <a:shade val="50000"/>
+              </a:schemeClr>
+            </a:lnRef>
+            <a:fillRef idx="1">
+              <a:schemeClr val="accent1"/>
+            </a:fillRef>
+            <a:effectRef idx="0">
+              <a:schemeClr val="accent1"/>
+            </a:effectRef>
+            <a:fontRef idx="minor">
+              <a:schemeClr val="lt1"/>
+            </a:fontRef>
+          </p:style>
+          <p:txBody>
+            <a:bodyPr rtlCol="0" anchor="ctr"/>
+            <a:lstStyle/>
+            <a:p>
+              <a:pPr algn="ctr"/>
+              <a:r>
+                <a:rPr lang="en-GB" sz="1600" dirty="0" smtClean="0">
+                  <a:latin typeface="Vodafone Rg" panose="020B0606080202020204" pitchFamily="34" charset="0"/>
+                </a:rPr>
+                <a:t>19</a:t>
+              </a:r>
+              <a:endParaRPr lang="en-GB" sz="1600" dirty="0"/>
+            </a:p>
+          </p:txBody>
+        </p:sp>
+        <p:sp>
+          <p:nvSpPr>
+            <p:cNvPr id="6" name="TextBox 5"/>
+            <p:cNvSpPr txBox="1"/>
+            <p:nvPr/>
+          </p:nvSpPr>
+          <p:spPr>
+            <a:xfrm>
+              <a:off x="1340090" y="1267690"/>
+              <a:ext cx="10517927" cy="523220"/>
+            </a:xfrm>
+            <a:prstGeom prst="rect">
+              <a:avLst/>
+            </a:prstGeom>
+            <a:noFill/>
+          </p:spPr>
+          <p:txBody>
+            <a:bodyPr wrap="square" rtlCol="0">
+              <a:spAutoFit/>
+            </a:bodyPr>
+            <a:lstStyle/>
+            <a:p>
+              <a:r>
+                <a:rPr lang="en-GB" sz="2800" dirty="0" smtClean="0"/>
+                <a:t>Navigate Back to </a:t>
+              </a:r>
+              <a:r>
+                <a:rPr lang="en-GB" sz="2800" b="1" dirty="0" err="1" smtClean="0"/>
+                <a:t>cntt</a:t>
+              </a:r>
+              <a:r>
+                <a:rPr lang="en-GB" sz="2800" b="1" dirty="0" smtClean="0"/>
+                <a:t>-n/CNTT</a:t>
+              </a:r>
+              <a:r>
+                <a:rPr lang="en-GB" sz="2800" dirty="0" smtClean="0"/>
+                <a:t> repository. </a:t>
+              </a:r>
+              <a:r>
+                <a:rPr lang="en-GB" sz="2000" dirty="0" smtClean="0"/>
+                <a:t>By clicking on </a:t>
+              </a:r>
+              <a:r>
+                <a:rPr lang="en-GB" sz="2000" b="1" dirty="0" err="1" smtClean="0"/>
+                <a:t>cntt</a:t>
+              </a:r>
+              <a:r>
+                <a:rPr lang="en-GB" sz="2000" b="1" dirty="0" smtClean="0"/>
+                <a:t>-n/</a:t>
+              </a:r>
+              <a:r>
+                <a:rPr lang="en-GB" sz="2000" b="1" dirty="0" err="1" smtClean="0"/>
+                <a:t>cntt</a:t>
+              </a:r>
+              <a:endParaRPr lang="en-GB" sz="1200" dirty="0" smtClean="0">
+                <a:solidFill>
+                  <a:srgbClr val="00B050"/>
+                </a:solidFill>
+              </a:endParaRPr>
+            </a:p>
+          </p:txBody>
+        </p:sp>
+      </p:grpSp>
+      <p:pic>
+        <p:nvPicPr>
+          <p:cNvPr id="3" name="Picture 2"/>
+          <p:cNvPicPr>
+            <a:picLocks noChangeAspect="1"/>
+          </p:cNvPicPr>
+          <p:nvPr/>
+        </p:nvPicPr>
+        <p:blipFill>
+          <a:blip r:embed="rId2"/>
+          <a:stretch>
+            <a:fillRect/>
+          </a:stretch>
+        </p:blipFill>
+        <p:spPr>
+          <a:xfrm>
+            <a:off x="1340090" y="1903216"/>
+            <a:ext cx="9550794" cy="4720084"/>
+          </a:xfrm>
+          <a:prstGeom prst="rect">
+            <a:avLst/>
+          </a:prstGeom>
+        </p:spPr>
+      </p:pic>
+    </p:spTree>
+    <p:extLst>
+      <p:ext uri="{BB962C8B-B14F-4D97-AF65-F5344CB8AC3E}">
+        <p14:creationId xmlns:p14="http://schemas.microsoft.com/office/powerpoint/2010/main" val="2383923458"/>
+      </p:ext>
+    </p:extLst>
+  </p:cSld>
+  <p:clrMapOvr>
+    <a:masterClrMapping/>
+  </p:clrMapOvr>
+  <p:timing>
+    <p:tnLst>
+      <p:par>
+        <p:cTn id="1" dur="indefinite" restart="never" nodeType="tmRoot"/>
+      </p:par>
+    </p:tnLst>
+  </p:timing>
+</p:sld>
+</file>
+
+<file path=ppt/slides/slide22.xml><?xml version="1.0" encoding="utf-8"?>
+<p:sld xmlns:a="http://schemas.openxmlformats.org/drawingml/2006/main" xmlns:r="http://schemas.openxmlformats.org/officeDocument/2006/relationships" xmlns:p="http://schemas.openxmlformats.org/presentationml/2006/main">
+  <p:cSld>
+    <p:spTree>
+      <p:nvGrpSpPr>
+        <p:cNvPr id="1" name=""/>
+        <p:cNvGrpSpPr/>
+        <p:nvPr/>
+      </p:nvGrpSpPr>
+      <p:grpSpPr>
+        <a:xfrm>
+          <a:off x="0" y="0"/>
+          <a:ext cx="0" cy="0"/>
+          <a:chOff x="0" y="0"/>
+          <a:chExt cx="0" cy="0"/>
+        </a:xfrm>
+      </p:grpSpPr>
+      <p:sp>
+        <p:nvSpPr>
+          <p:cNvPr id="38" name="Title 5"/>
+          <p:cNvSpPr txBox="1">
+            <a:spLocks/>
+          </p:cNvSpPr>
+          <p:nvPr/>
+        </p:nvSpPr>
+        <p:spPr>
+          <a:xfrm>
+            <a:off x="436082" y="483783"/>
+            <a:ext cx="9963149" cy="585227"/>
+          </a:xfrm>
+        </p:spPr>
+        <p:txBody>
+          <a:bodyPr>
+            <a:noAutofit/>
+          </a:bodyPr>
+          <a:lstStyle>
+            <a:lvl1pPr algn="l" defTabSz="914400" rtl="0" eaLnBrk="1" latinLnBrk="0" hangingPunct="1">
+              <a:spcBef>
+                <a:spcPct val="0"/>
+              </a:spcBef>
+              <a:buNone/>
+              <a:defRPr sz="2000" b="1" kern="1200">
+                <a:solidFill>
+                  <a:schemeClr val="tx1"/>
+                </a:solidFill>
+                <a:latin typeface="Arial" panose="020B0604020202020204" pitchFamily="34" charset="0"/>
+                <a:ea typeface="+mj-ea"/>
+                <a:cs typeface="Arial" panose="020B0604020202020204" pitchFamily="34" charset="0"/>
+              </a:defRPr>
+            </a:lvl1pPr>
+          </a:lstStyle>
+          <a:p>
+            <a:r>
+              <a:rPr lang="en-GB" sz="2667" b="0" dirty="0" smtClean="0"/>
+              <a:t>CNTT Technology WG </a:t>
+            </a:r>
+            <a:r>
+              <a:rPr lang="en-GB" sz="2667" b="0" dirty="0" smtClean="0">
+                <a:solidFill>
+                  <a:schemeClr val="bg1">
+                    <a:lumMod val="50000"/>
+                  </a:schemeClr>
+                </a:solidFill>
+              </a:rPr>
+              <a:t>| </a:t>
+            </a:r>
+            <a:r>
+              <a:rPr lang="en-GB" sz="2667" b="0" dirty="0" smtClean="0">
+                <a:solidFill>
+                  <a:schemeClr val="bg1">
+                    <a:lumMod val="50000"/>
+                  </a:schemeClr>
+                </a:solidFill>
+              </a:rPr>
+              <a:t>Upload </a:t>
+            </a:r>
+            <a:r>
+              <a:rPr lang="en-GB" sz="2667" b="0" dirty="0" smtClean="0">
+                <a:solidFill>
+                  <a:schemeClr val="bg1">
+                    <a:lumMod val="50000"/>
+                  </a:schemeClr>
+                </a:solidFill>
+              </a:rPr>
+              <a:t>an image </a:t>
+            </a:r>
+            <a:r>
+              <a:rPr lang="en-GB" sz="2667" b="0" dirty="0" smtClean="0">
+                <a:solidFill>
+                  <a:schemeClr val="bg1">
+                    <a:lumMod val="50000"/>
+                  </a:schemeClr>
+                </a:solidFill>
+              </a:rPr>
+              <a:t>file - 6</a:t>
+            </a:r>
+            <a:endParaRPr lang="en-GB" sz="2667" b="0" dirty="0">
+              <a:solidFill>
+                <a:schemeClr val="bg1">
+                  <a:lumMod val="50000"/>
+                </a:schemeClr>
+              </a:solidFill>
+            </a:endParaRPr>
+          </a:p>
+        </p:txBody>
+      </p:sp>
+      <p:grpSp>
+        <p:nvGrpSpPr>
+          <p:cNvPr id="5" name="Group 4"/>
+          <p:cNvGrpSpPr/>
+          <p:nvPr/>
+        </p:nvGrpSpPr>
+        <p:grpSpPr>
+          <a:xfrm>
+            <a:off x="675408" y="1215736"/>
+            <a:ext cx="11182609" cy="592282"/>
+            <a:chOff x="675408" y="1215736"/>
+            <a:chExt cx="11182609" cy="592282"/>
+          </a:xfrm>
+        </p:grpSpPr>
+        <p:sp>
+          <p:nvSpPr>
+            <p:cNvPr id="4" name="Oval 3"/>
+            <p:cNvSpPr/>
+            <p:nvPr/>
+          </p:nvSpPr>
+          <p:spPr>
+            <a:xfrm>
+              <a:off x="675408" y="1215736"/>
+              <a:ext cx="571500" cy="592282"/>
+            </a:xfrm>
+            <a:prstGeom prst="ellipse">
+              <a:avLst/>
+            </a:prstGeom>
+            <a:solidFill>
+              <a:srgbClr val="FF0000"/>
+            </a:solidFill>
+          </p:spPr>
+          <p:style>
+            <a:lnRef idx="2">
+              <a:schemeClr val="accent1">
+                <a:shade val="50000"/>
+              </a:schemeClr>
+            </a:lnRef>
+            <a:fillRef idx="1">
+              <a:schemeClr val="accent1"/>
+            </a:fillRef>
+            <a:effectRef idx="0">
+              <a:schemeClr val="accent1"/>
+            </a:effectRef>
+            <a:fontRef idx="minor">
+              <a:schemeClr val="lt1"/>
+            </a:fontRef>
+          </p:style>
+          <p:txBody>
+            <a:bodyPr rtlCol="0" anchor="ctr"/>
+            <a:lstStyle/>
+            <a:p>
+              <a:pPr algn="ctr"/>
+              <a:r>
+                <a:rPr lang="en-GB" sz="1600" dirty="0" smtClean="0">
+                  <a:latin typeface="Vodafone Rg" panose="020B0606080202020204" pitchFamily="34" charset="0"/>
+                </a:rPr>
+                <a:t>20</a:t>
+              </a:r>
+              <a:endParaRPr lang="en-GB" sz="1600" dirty="0"/>
+            </a:p>
+          </p:txBody>
+        </p:sp>
+        <p:sp>
+          <p:nvSpPr>
+            <p:cNvPr id="6" name="TextBox 5"/>
+            <p:cNvSpPr txBox="1"/>
+            <p:nvPr/>
+          </p:nvSpPr>
+          <p:spPr>
+            <a:xfrm>
+              <a:off x="1340090" y="1267690"/>
+              <a:ext cx="10517927" cy="523220"/>
+            </a:xfrm>
+            <a:prstGeom prst="rect">
+              <a:avLst/>
+            </a:prstGeom>
+            <a:noFill/>
+          </p:spPr>
+          <p:txBody>
+            <a:bodyPr wrap="square" rtlCol="0">
+              <a:spAutoFit/>
+            </a:bodyPr>
+            <a:lstStyle/>
+            <a:p>
+              <a:r>
+                <a:rPr lang="en-GB" sz="2800" dirty="0" smtClean="0"/>
+                <a:t>Manually Create a Pull Request</a:t>
+              </a:r>
+              <a:endParaRPr lang="en-GB" sz="1200" dirty="0" smtClean="0">
+                <a:solidFill>
+                  <a:srgbClr val="00B050"/>
+                </a:solidFill>
+              </a:endParaRPr>
+            </a:p>
+          </p:txBody>
+        </p:sp>
+      </p:grpSp>
+      <p:pic>
+        <p:nvPicPr>
+          <p:cNvPr id="2" name="Picture 1"/>
+          <p:cNvPicPr>
+            <a:picLocks noChangeAspect="1"/>
+          </p:cNvPicPr>
+          <p:nvPr/>
+        </p:nvPicPr>
+        <p:blipFill>
+          <a:blip r:embed="rId2"/>
+          <a:stretch>
+            <a:fillRect/>
+          </a:stretch>
+        </p:blipFill>
+        <p:spPr>
+          <a:xfrm>
+            <a:off x="961158" y="2006698"/>
+            <a:ext cx="9627382" cy="4682270"/>
+          </a:xfrm>
+          <a:prstGeom prst="rect">
+            <a:avLst/>
+          </a:prstGeom>
+        </p:spPr>
+      </p:pic>
+    </p:spTree>
+    <p:extLst>
+      <p:ext uri="{BB962C8B-B14F-4D97-AF65-F5344CB8AC3E}">
+        <p14:creationId xmlns:p14="http://schemas.microsoft.com/office/powerpoint/2010/main" val="1476133789"/>
+      </p:ext>
+    </p:extLst>
+  </p:cSld>
+  <p:clrMapOvr>
+    <a:masterClrMapping/>
+  </p:clrMapOvr>
+  <p:timing>
+    <p:tnLst>
+      <p:par>
+        <p:cTn id="1" dur="indefinite" restart="never" nodeType="tmRoot"/>
+      </p:par>
+    </p:tnLst>
+  </p:timing>
+</p:sld>
+</file>
+
+<file path=ppt/slides/slide23.xml><?xml version="1.0" encoding="utf-8"?>
+<p:sld xmlns:a="http://schemas.openxmlformats.org/drawingml/2006/main" xmlns:r="http://schemas.openxmlformats.org/officeDocument/2006/relationships" xmlns:p="http://schemas.openxmlformats.org/presentationml/2006/main">
+  <p:cSld>
+    <p:spTree>
+      <p:nvGrpSpPr>
+        <p:cNvPr id="1" name=""/>
+        <p:cNvGrpSpPr/>
+        <p:nvPr/>
+      </p:nvGrpSpPr>
+      <p:grpSpPr>
+        <a:xfrm>
+          <a:off x="0" y="0"/>
+          <a:ext cx="0" cy="0"/>
+          <a:chOff x="0" y="0"/>
+          <a:chExt cx="0" cy="0"/>
+        </a:xfrm>
+      </p:grpSpPr>
+      <p:sp>
+        <p:nvSpPr>
+          <p:cNvPr id="38" name="Title 5"/>
+          <p:cNvSpPr txBox="1">
+            <a:spLocks/>
+          </p:cNvSpPr>
+          <p:nvPr/>
+        </p:nvSpPr>
+        <p:spPr>
+          <a:xfrm>
+            <a:off x="436082" y="483783"/>
+            <a:ext cx="9963149" cy="585227"/>
+          </a:xfrm>
+        </p:spPr>
+        <p:txBody>
+          <a:bodyPr>
+            <a:noAutofit/>
+          </a:bodyPr>
+          <a:lstStyle>
+            <a:lvl1pPr algn="l" defTabSz="914400" rtl="0" eaLnBrk="1" latinLnBrk="0" hangingPunct="1">
+              <a:spcBef>
+                <a:spcPct val="0"/>
+              </a:spcBef>
+              <a:buNone/>
+              <a:defRPr sz="2000" b="1" kern="1200">
+                <a:solidFill>
+                  <a:schemeClr val="tx1"/>
+                </a:solidFill>
+                <a:latin typeface="Arial" panose="020B0604020202020204" pitchFamily="34" charset="0"/>
+                <a:ea typeface="+mj-ea"/>
+                <a:cs typeface="Arial" panose="020B0604020202020204" pitchFamily="34" charset="0"/>
+              </a:defRPr>
+            </a:lvl1pPr>
+          </a:lstStyle>
+          <a:p>
+            <a:r>
+              <a:rPr lang="en-GB" sz="2667" b="0" dirty="0" smtClean="0"/>
+              <a:t>CNTT Technology WG </a:t>
+            </a:r>
+            <a:r>
+              <a:rPr lang="en-GB" sz="2667" b="0" dirty="0" smtClean="0">
+                <a:solidFill>
+                  <a:schemeClr val="bg1">
+                    <a:lumMod val="50000"/>
+                  </a:schemeClr>
+                </a:solidFill>
+              </a:rPr>
+              <a:t>| </a:t>
+            </a:r>
+            <a:r>
+              <a:rPr lang="en-GB" sz="2667" b="0" dirty="0" smtClean="0">
+                <a:solidFill>
+                  <a:schemeClr val="bg1">
+                    <a:lumMod val="50000"/>
+                  </a:schemeClr>
+                </a:solidFill>
+              </a:rPr>
+              <a:t>Upload </a:t>
+            </a:r>
+            <a:r>
+              <a:rPr lang="en-GB" sz="2667" b="0" dirty="0" smtClean="0">
+                <a:solidFill>
+                  <a:schemeClr val="bg1">
+                    <a:lumMod val="50000"/>
+                  </a:schemeClr>
+                </a:solidFill>
+              </a:rPr>
+              <a:t>an image </a:t>
+            </a:r>
+            <a:r>
+              <a:rPr lang="en-GB" sz="2667" b="0" dirty="0" smtClean="0">
+                <a:solidFill>
+                  <a:schemeClr val="bg1">
+                    <a:lumMod val="50000"/>
+                  </a:schemeClr>
+                </a:solidFill>
+              </a:rPr>
+              <a:t>file - 7</a:t>
+            </a:r>
+            <a:endParaRPr lang="en-GB" sz="2667" b="0" dirty="0">
+              <a:solidFill>
+                <a:schemeClr val="bg1">
+                  <a:lumMod val="50000"/>
+                </a:schemeClr>
+              </a:solidFill>
+            </a:endParaRPr>
+          </a:p>
+        </p:txBody>
+      </p:sp>
+      <p:grpSp>
+        <p:nvGrpSpPr>
+          <p:cNvPr id="5" name="Group 4"/>
+          <p:cNvGrpSpPr/>
+          <p:nvPr/>
+        </p:nvGrpSpPr>
+        <p:grpSpPr>
+          <a:xfrm>
+            <a:off x="675408" y="1215736"/>
+            <a:ext cx="11182609" cy="592282"/>
+            <a:chOff x="675408" y="1215736"/>
+            <a:chExt cx="11182609" cy="592282"/>
+          </a:xfrm>
+        </p:grpSpPr>
+        <p:sp>
+          <p:nvSpPr>
+            <p:cNvPr id="4" name="Oval 3"/>
+            <p:cNvSpPr/>
+            <p:nvPr/>
+          </p:nvSpPr>
+          <p:spPr>
+            <a:xfrm>
+              <a:off x="675408" y="1215736"/>
+              <a:ext cx="571500" cy="592282"/>
+            </a:xfrm>
+            <a:prstGeom prst="ellipse">
+              <a:avLst/>
+            </a:prstGeom>
+            <a:solidFill>
+              <a:srgbClr val="FF0000"/>
+            </a:solidFill>
+          </p:spPr>
+          <p:style>
+            <a:lnRef idx="2">
+              <a:schemeClr val="accent1">
+                <a:shade val="50000"/>
+              </a:schemeClr>
+            </a:lnRef>
+            <a:fillRef idx="1">
+              <a:schemeClr val="accent1"/>
+            </a:fillRef>
+            <a:effectRef idx="0">
+              <a:schemeClr val="accent1"/>
+            </a:effectRef>
+            <a:fontRef idx="minor">
+              <a:schemeClr val="lt1"/>
+            </a:fontRef>
+          </p:style>
+          <p:txBody>
+            <a:bodyPr rtlCol="0" anchor="ctr"/>
+            <a:lstStyle/>
+            <a:p>
+              <a:pPr algn="ctr"/>
+              <a:r>
+                <a:rPr lang="en-GB" sz="1600" dirty="0" smtClean="0">
+                  <a:latin typeface="Vodafone Rg" panose="020B0606080202020204" pitchFamily="34" charset="0"/>
+                </a:rPr>
+                <a:t>21</a:t>
+              </a:r>
+              <a:endParaRPr lang="en-GB" sz="1600" dirty="0"/>
+            </a:p>
+          </p:txBody>
+        </p:sp>
+        <p:sp>
+          <p:nvSpPr>
+            <p:cNvPr id="6" name="TextBox 5"/>
+            <p:cNvSpPr txBox="1"/>
+            <p:nvPr/>
+          </p:nvSpPr>
+          <p:spPr>
+            <a:xfrm>
+              <a:off x="1340090" y="1267690"/>
+              <a:ext cx="10517927" cy="523220"/>
+            </a:xfrm>
+            <a:prstGeom prst="rect">
+              <a:avLst/>
+            </a:prstGeom>
+            <a:noFill/>
+          </p:spPr>
+          <p:txBody>
+            <a:bodyPr wrap="square" rtlCol="0">
+              <a:spAutoFit/>
+            </a:bodyPr>
+            <a:lstStyle/>
+            <a:p>
+              <a:r>
+                <a:rPr lang="en-GB" sz="2800" dirty="0" smtClean="0"/>
+                <a:t>Compare Changes to create Pull Request </a:t>
+              </a:r>
+              <a:r>
+                <a:rPr lang="en-GB" sz="2000" dirty="0" smtClean="0"/>
+                <a:t>(use “compare across forks” option)</a:t>
+              </a:r>
+              <a:endParaRPr lang="en-GB" sz="1200" dirty="0" smtClean="0">
+                <a:solidFill>
+                  <a:srgbClr val="00B050"/>
+                </a:solidFill>
+              </a:endParaRPr>
+            </a:p>
+          </p:txBody>
+        </p:sp>
+      </p:grpSp>
+      <p:pic>
+        <p:nvPicPr>
+          <p:cNvPr id="3" name="Picture 2"/>
+          <p:cNvPicPr>
+            <a:picLocks noChangeAspect="1"/>
+          </p:cNvPicPr>
+          <p:nvPr/>
+        </p:nvPicPr>
+        <p:blipFill>
+          <a:blip r:embed="rId2"/>
+          <a:stretch>
+            <a:fillRect/>
+          </a:stretch>
+        </p:blipFill>
+        <p:spPr>
+          <a:xfrm>
+            <a:off x="1482138" y="1989590"/>
+            <a:ext cx="8917093" cy="4769608"/>
+          </a:xfrm>
+          <a:prstGeom prst="rect">
+            <a:avLst/>
+          </a:prstGeom>
+        </p:spPr>
+      </p:pic>
+    </p:spTree>
+    <p:extLst>
+      <p:ext uri="{BB962C8B-B14F-4D97-AF65-F5344CB8AC3E}">
+        <p14:creationId xmlns:p14="http://schemas.microsoft.com/office/powerpoint/2010/main" val="3037098854"/>
+      </p:ext>
+    </p:extLst>
+  </p:cSld>
+  <p:clrMapOvr>
+    <a:masterClrMapping/>
+  </p:clrMapOvr>
+  <p:timing>
+    <p:tnLst>
+      <p:par>
+        <p:cTn id="1" dur="indefinite" restart="never" nodeType="tmRoot"/>
+      </p:par>
+    </p:tnLst>
+  </p:timing>
+</p:sld>
+</file>
+
+<file path=ppt/slides/slide24.xml><?xml version="1.0" encoding="utf-8"?>
+<p:sld xmlns:a="http://schemas.openxmlformats.org/drawingml/2006/main" xmlns:r="http://schemas.openxmlformats.org/officeDocument/2006/relationships" xmlns:p="http://schemas.openxmlformats.org/presentationml/2006/main">
+  <p:cSld>
+    <p:spTree>
+      <p:nvGrpSpPr>
+        <p:cNvPr id="1" name=""/>
+        <p:cNvGrpSpPr/>
+        <p:nvPr/>
+      </p:nvGrpSpPr>
+      <p:grpSpPr>
+        <a:xfrm>
+          <a:off x="0" y="0"/>
+          <a:ext cx="0" cy="0"/>
+          <a:chOff x="0" y="0"/>
+          <a:chExt cx="0" cy="0"/>
+        </a:xfrm>
+      </p:grpSpPr>
+      <p:sp>
+        <p:nvSpPr>
+          <p:cNvPr id="38" name="Title 5"/>
+          <p:cNvSpPr txBox="1">
+            <a:spLocks/>
+          </p:cNvSpPr>
+          <p:nvPr/>
+        </p:nvSpPr>
+        <p:spPr>
+          <a:xfrm>
+            <a:off x="436082" y="483783"/>
+            <a:ext cx="9963149" cy="585227"/>
+          </a:xfrm>
+        </p:spPr>
+        <p:txBody>
+          <a:bodyPr>
+            <a:noAutofit/>
+          </a:bodyPr>
+          <a:lstStyle>
+            <a:lvl1pPr algn="l" defTabSz="914400" rtl="0" eaLnBrk="1" latinLnBrk="0" hangingPunct="1">
+              <a:spcBef>
+                <a:spcPct val="0"/>
+              </a:spcBef>
+              <a:buNone/>
+              <a:defRPr sz="2000" b="1" kern="1200">
+                <a:solidFill>
+                  <a:schemeClr val="tx1"/>
+                </a:solidFill>
+                <a:latin typeface="Arial" panose="020B0604020202020204" pitchFamily="34" charset="0"/>
+                <a:ea typeface="+mj-ea"/>
+                <a:cs typeface="Arial" panose="020B0604020202020204" pitchFamily="34" charset="0"/>
+              </a:defRPr>
+            </a:lvl1pPr>
+          </a:lstStyle>
+          <a:p>
+            <a:r>
+              <a:rPr lang="en-GB" sz="2667" b="0" dirty="0" smtClean="0"/>
+              <a:t>CNTT Technology WG </a:t>
+            </a:r>
+            <a:r>
+              <a:rPr lang="en-GB" sz="2667" b="0" dirty="0" smtClean="0">
+                <a:solidFill>
+                  <a:schemeClr val="bg1">
+                    <a:lumMod val="50000"/>
+                  </a:schemeClr>
+                </a:solidFill>
+              </a:rPr>
+              <a:t>| </a:t>
+            </a:r>
+            <a:r>
+              <a:rPr lang="en-GB" sz="2667" b="0" dirty="0" smtClean="0">
+                <a:solidFill>
+                  <a:schemeClr val="bg1">
+                    <a:lumMod val="50000"/>
+                  </a:schemeClr>
+                </a:solidFill>
+              </a:rPr>
+              <a:t>Upload </a:t>
+            </a:r>
+            <a:r>
+              <a:rPr lang="en-GB" sz="2667" b="0" dirty="0" smtClean="0">
+                <a:solidFill>
+                  <a:schemeClr val="bg1">
+                    <a:lumMod val="50000"/>
+                  </a:schemeClr>
+                </a:solidFill>
+              </a:rPr>
+              <a:t>an image </a:t>
+            </a:r>
+            <a:r>
+              <a:rPr lang="en-GB" sz="2667" b="0" dirty="0" smtClean="0">
+                <a:solidFill>
+                  <a:schemeClr val="bg1">
+                    <a:lumMod val="50000"/>
+                  </a:schemeClr>
+                </a:solidFill>
+              </a:rPr>
+              <a:t>file - 8</a:t>
+            </a:r>
+            <a:endParaRPr lang="en-GB" sz="2667" b="0" dirty="0">
+              <a:solidFill>
+                <a:schemeClr val="bg1">
+                  <a:lumMod val="50000"/>
+                </a:schemeClr>
+              </a:solidFill>
+            </a:endParaRPr>
+          </a:p>
+        </p:txBody>
+      </p:sp>
+      <p:grpSp>
+        <p:nvGrpSpPr>
+          <p:cNvPr id="5" name="Group 4"/>
+          <p:cNvGrpSpPr/>
+          <p:nvPr/>
+        </p:nvGrpSpPr>
+        <p:grpSpPr>
+          <a:xfrm>
+            <a:off x="675408" y="1215736"/>
+            <a:ext cx="11425801" cy="882951"/>
+            <a:chOff x="675408" y="1215736"/>
+            <a:chExt cx="11425801" cy="882951"/>
+          </a:xfrm>
+        </p:grpSpPr>
+        <p:sp>
+          <p:nvSpPr>
+            <p:cNvPr id="4" name="Oval 3"/>
+            <p:cNvSpPr/>
+            <p:nvPr/>
+          </p:nvSpPr>
+          <p:spPr>
+            <a:xfrm>
+              <a:off x="675408" y="1215736"/>
+              <a:ext cx="571500" cy="592282"/>
+            </a:xfrm>
+            <a:prstGeom prst="ellipse">
+              <a:avLst/>
+            </a:prstGeom>
+            <a:solidFill>
+              <a:srgbClr val="FF0000"/>
+            </a:solidFill>
+          </p:spPr>
+          <p:style>
+            <a:lnRef idx="2">
+              <a:schemeClr val="accent1">
+                <a:shade val="50000"/>
+              </a:schemeClr>
+            </a:lnRef>
+            <a:fillRef idx="1">
+              <a:schemeClr val="accent1"/>
+            </a:fillRef>
+            <a:effectRef idx="0">
+              <a:schemeClr val="accent1"/>
+            </a:effectRef>
+            <a:fontRef idx="minor">
+              <a:schemeClr val="lt1"/>
+            </a:fontRef>
+          </p:style>
+          <p:txBody>
+            <a:bodyPr rtlCol="0" anchor="ctr"/>
+            <a:lstStyle/>
+            <a:p>
+              <a:pPr algn="ctr"/>
+              <a:r>
+                <a:rPr lang="en-GB" sz="1600" dirty="0" smtClean="0">
+                  <a:latin typeface="Vodafone Rg" panose="020B0606080202020204" pitchFamily="34" charset="0"/>
+                </a:rPr>
+                <a:t>22</a:t>
+              </a:r>
+              <a:endParaRPr lang="en-GB" sz="1600" dirty="0"/>
+            </a:p>
+          </p:txBody>
+        </p:sp>
+        <p:sp>
+          <p:nvSpPr>
+            <p:cNvPr id="6" name="TextBox 5"/>
+            <p:cNvSpPr txBox="1"/>
+            <p:nvPr/>
+          </p:nvSpPr>
+          <p:spPr>
+            <a:xfrm>
+              <a:off x="1340090" y="1267690"/>
+              <a:ext cx="10761119" cy="830997"/>
+            </a:xfrm>
+            <a:prstGeom prst="rect">
+              <a:avLst/>
+            </a:prstGeom>
+            <a:noFill/>
+          </p:spPr>
+          <p:txBody>
+            <a:bodyPr wrap="square" rtlCol="0">
+              <a:spAutoFit/>
+            </a:bodyPr>
+            <a:lstStyle/>
+            <a:p>
+              <a:r>
+                <a:rPr lang="en-GB" sz="2800" dirty="0"/>
+                <a:t>C</a:t>
+              </a:r>
+              <a:r>
+                <a:rPr lang="en-GB" sz="2800" dirty="0" smtClean="0"/>
+                <a:t>rate pull request from all commits to your local branch </a:t>
+              </a:r>
+              <a:r>
+                <a:rPr lang="en-GB" sz="2000" dirty="0" smtClean="0"/>
+                <a:t>(including file uploads, </a:t>
+              </a:r>
+              <a:r>
+                <a:rPr lang="en-GB" sz="2000" dirty="0" err="1" smtClean="0"/>
+                <a:t>etc</a:t>
+              </a:r>
+              <a:r>
+                <a:rPr lang="en-GB" sz="2000" dirty="0" smtClean="0"/>
+                <a:t>)</a:t>
+              </a:r>
+              <a:endParaRPr lang="en-GB" sz="1200" dirty="0" smtClean="0">
+                <a:solidFill>
+                  <a:srgbClr val="00B050"/>
+                </a:solidFill>
+              </a:endParaRPr>
+            </a:p>
+          </p:txBody>
+        </p:sp>
+      </p:grpSp>
+      <p:pic>
+        <p:nvPicPr>
+          <p:cNvPr id="2" name="Picture 1"/>
+          <p:cNvPicPr>
+            <a:picLocks noChangeAspect="1"/>
+          </p:cNvPicPr>
+          <p:nvPr/>
+        </p:nvPicPr>
+        <p:blipFill>
+          <a:blip r:embed="rId2"/>
+          <a:stretch>
+            <a:fillRect/>
+          </a:stretch>
+        </p:blipFill>
+        <p:spPr>
+          <a:xfrm>
+            <a:off x="2097157" y="2189600"/>
+            <a:ext cx="7623947" cy="4596066"/>
+          </a:xfrm>
+          <a:prstGeom prst="rect">
+            <a:avLst/>
+          </a:prstGeom>
+        </p:spPr>
+      </p:pic>
+    </p:spTree>
+    <p:extLst>
+      <p:ext uri="{BB962C8B-B14F-4D97-AF65-F5344CB8AC3E}">
+        <p14:creationId xmlns:p14="http://schemas.microsoft.com/office/powerpoint/2010/main" val="999340014"/>
+      </p:ext>
+    </p:extLst>
+  </p:cSld>
+  <p:clrMapOvr>
+    <a:masterClrMapping/>
+  </p:clrMapOvr>
+  <p:timing>
+    <p:tnLst>
+      <p:par>
+        <p:cTn id="1" dur="indefinite" restart="never" nodeType="tmRoot"/>
+      </p:par>
+    </p:tnLst>
+  </p:timing>
+</p:sld>
+</file>
+
+<file path=ppt/slides/slide25.xml><?xml version="1.0" encoding="utf-8"?>
+<p:sld xmlns:a="http://schemas.openxmlformats.org/drawingml/2006/main" xmlns:r="http://schemas.openxmlformats.org/officeDocument/2006/relationships" xmlns:p="http://schemas.openxmlformats.org/presentationml/2006/main">
+  <p:cSld>
+    <p:spTree>
+      <p:nvGrpSpPr>
+        <p:cNvPr id="1" name=""/>
+        <p:cNvGrpSpPr/>
+        <p:nvPr/>
+      </p:nvGrpSpPr>
+      <p:grpSpPr>
+        <a:xfrm>
+          <a:off x="0" y="0"/>
+          <a:ext cx="0" cy="0"/>
+          <a:chOff x="0" y="0"/>
+          <a:chExt cx="0" cy="0"/>
+        </a:xfrm>
+      </p:grpSpPr>
+      <p:sp>
+        <p:nvSpPr>
+          <p:cNvPr id="4" name="Title 3"/>
+          <p:cNvSpPr>
+            <a:spLocks noGrp="1"/>
+          </p:cNvSpPr>
+          <p:nvPr>
+            <p:ph type="ctrTitle"/>
+          </p:nvPr>
+        </p:nvSpPr>
+        <p:spPr/>
+        <p:txBody>
+          <a:bodyPr/>
+          <a:lstStyle/>
+          <a:p>
+            <a:r>
+              <a:rPr lang="en-GB" dirty="0"/>
+              <a:t>Thank you</a:t>
+            </a:r>
+          </a:p>
+        </p:txBody>
+      </p:sp>
+      <p:sp>
+        <p:nvSpPr>
+          <p:cNvPr id="2" name="Subtitle 1"/>
+          <p:cNvSpPr>
+            <a:spLocks noGrp="1"/>
+          </p:cNvSpPr>
+          <p:nvPr>
+            <p:ph type="subTitle" idx="1"/>
+          </p:nvPr>
+        </p:nvSpPr>
+        <p:spPr/>
+        <p:txBody>
+          <a:bodyPr/>
+          <a:lstStyle/>
+          <a:p>
+            <a:endParaRPr lang="en-GB"/>
+          </a:p>
+        </p:txBody>
+      </p:sp>
+    </p:spTree>
+    <p:extLst>
+      <p:ext uri="{BB962C8B-B14F-4D97-AF65-F5344CB8AC3E}">
+        <p14:creationId xmlns:p14="http://schemas.microsoft.com/office/powerpoint/2010/main" val="2989354834"/>
       </p:ext>
     </p:extLst>
   </p:cSld>
@@ -11074,17 +13299,7 @@
                   </a:schemeClr>
                 </a:solidFill>
               </a:rPr>
-              <a:t>| </a:t>
-            </a:r>
-            <a:r>
-              <a:rPr lang="en-GB" sz="2667" b="0" dirty="0" smtClean="0">
-                <a:solidFill>
-                  <a:schemeClr val="bg1">
-                    <a:lumMod val="50000"/>
-                  </a:schemeClr>
-                </a:solidFill>
-              </a:rPr>
-              <a:t>GitHub</a:t>
+              <a:t>| GitHub</a:t>
             </a:r>
             <a:endParaRPr lang="en-GB" sz="2667" b="0" dirty="0">
               <a:solidFill>
@@ -11200,6 +13415,45 @@
           <a:chExt cx="0" cy="0"/>
         </a:xfrm>
       </p:grpSpPr>
+      <p:pic>
+        <p:nvPicPr>
+          <p:cNvPr id="1026" name="Picture 2" descr="Related image"/>
+          <p:cNvPicPr>
+            <a:picLocks noChangeAspect="1" noChangeArrowheads="1"/>
+          </p:cNvPicPr>
+          <p:nvPr/>
+        </p:nvPicPr>
+        <p:blipFill rotWithShape="1">
+          <a:blip r:embed="rId2" cstate="print">
+            <a:extLst>
+              <a:ext uri="{28A0092B-C50C-407E-A947-70E740481C1C}">
+                <a14:useLocalDpi xmlns:a14="http://schemas.microsoft.com/office/drawing/2010/main" val="0"/>
+              </a:ext>
+            </a:extLst>
+          </a:blip>
+          <a:srcRect l="23363" t="15149" r="24808" b="17447"/>
+          <a:stretch/>
+        </p:blipFill>
+        <p:spPr bwMode="auto">
+          <a:xfrm>
+            <a:off x="5236704" y="5010006"/>
+            <a:ext cx="703379" cy="686054"/>
+          </a:xfrm>
+          <a:prstGeom prst="rect">
+            <a:avLst/>
+          </a:prstGeom>
+          <a:noFill/>
+          <a:extLst>
+            <a:ext uri="{909E8E84-426E-40DD-AFC4-6F175D3DCCD1}">
+              <a14:hiddenFill xmlns:a14="http://schemas.microsoft.com/office/drawing/2010/main">
+                <a:solidFill>
+                  <a:srgbClr val="FFFFFF"/>
+                </a:solidFill>
+              </a14:hiddenFill>
+            </a:ext>
+          </a:extLst>
+        </p:spPr>
+      </p:pic>
       <p:sp>
         <p:nvSpPr>
           <p:cNvPr id="38" name="Title 5"/>
@@ -11257,7 +13511,1300 @@
                   </a:schemeClr>
                 </a:solidFill>
               </a:rPr>
-              <a:t>GitHub – Editing a file for a new commit.</a:t>
+              <a:t>GitHub basics</a:t>
+            </a:r>
+            <a:endParaRPr lang="en-GB" sz="2667" b="0" dirty="0">
+              <a:solidFill>
+                <a:schemeClr val="bg1">
+                  <a:lumMod val="50000"/>
+                </a:schemeClr>
+              </a:solidFill>
+            </a:endParaRPr>
+          </a:p>
+        </p:txBody>
+      </p:sp>
+      <p:sp>
+        <p:nvSpPr>
+          <p:cNvPr id="2" name="TextBox 1"/>
+          <p:cNvSpPr txBox="1"/>
+          <p:nvPr/>
+        </p:nvSpPr>
+        <p:spPr>
+          <a:xfrm>
+            <a:off x="436082" y="1322962"/>
+            <a:ext cx="11201736" cy="954107"/>
+          </a:xfrm>
+          <a:prstGeom prst="rect">
+            <a:avLst/>
+          </a:prstGeom>
+          <a:noFill/>
+        </p:spPr>
+        <p:txBody>
+          <a:bodyPr wrap="square" rtlCol="0">
+            <a:spAutoFit/>
+          </a:bodyPr>
+          <a:lstStyle/>
+          <a:p>
+            <a:r>
+              <a:rPr lang="en-GB" sz="2800" dirty="0" smtClean="0"/>
+              <a:t>For easier interaction with GitHub, it is important to understand the basics of </a:t>
+            </a:r>
+            <a:r>
+              <a:rPr lang="en-GB" sz="2800" dirty="0" err="1" smtClean="0"/>
+              <a:t>Github</a:t>
+            </a:r>
+            <a:r>
+              <a:rPr lang="en-GB" sz="2800" dirty="0" smtClean="0"/>
+              <a:t> and how we are planning to use it.</a:t>
+            </a:r>
+            <a:endParaRPr lang="en-GB" sz="2800" dirty="0" smtClean="0"/>
+          </a:p>
+        </p:txBody>
+      </p:sp>
+      <p:sp>
+        <p:nvSpPr>
+          <p:cNvPr id="3" name="TextBox 2"/>
+          <p:cNvSpPr txBox="1"/>
+          <p:nvPr/>
+        </p:nvSpPr>
+        <p:spPr>
+          <a:xfrm>
+            <a:off x="1953599" y="3064213"/>
+            <a:ext cx="2075248" cy="369332"/>
+          </a:xfrm>
+          <a:prstGeom prst="rect">
+            <a:avLst/>
+          </a:prstGeom>
+          <a:noFill/>
+        </p:spPr>
+        <p:txBody>
+          <a:bodyPr wrap="none" rtlCol="0">
+            <a:spAutoFit/>
+          </a:bodyPr>
+          <a:lstStyle/>
+          <a:p>
+            <a:r>
+              <a:rPr lang="en-GB" b="1" dirty="0" err="1"/>
+              <a:t>c</a:t>
+            </a:r>
+            <a:r>
+              <a:rPr lang="en-GB" b="1" dirty="0" err="1" smtClean="0"/>
+              <a:t>ntt</a:t>
+            </a:r>
+            <a:r>
+              <a:rPr lang="en-GB" b="1" dirty="0" smtClean="0"/>
+              <a:t>-n/CNTT master</a:t>
+            </a:r>
+            <a:endParaRPr lang="en-GB" b="1" dirty="0"/>
+          </a:p>
+        </p:txBody>
+      </p:sp>
+      <p:sp>
+        <p:nvSpPr>
+          <p:cNvPr id="4" name="Oval 3"/>
+          <p:cNvSpPr/>
+          <p:nvPr/>
+        </p:nvSpPr>
+        <p:spPr>
+          <a:xfrm>
+            <a:off x="2188576" y="3433545"/>
+            <a:ext cx="379379" cy="359923"/>
+          </a:xfrm>
+          <a:prstGeom prst="ellipse">
+            <a:avLst/>
+          </a:prstGeom>
+        </p:spPr>
+        <p:style>
+          <a:lnRef idx="2">
+            <a:schemeClr val="accent6">
+              <a:shade val="50000"/>
+            </a:schemeClr>
+          </a:lnRef>
+          <a:fillRef idx="1">
+            <a:schemeClr val="accent6"/>
+          </a:fillRef>
+          <a:effectRef idx="0">
+            <a:schemeClr val="accent6"/>
+          </a:effectRef>
+          <a:fontRef idx="minor">
+            <a:schemeClr val="lt1"/>
+          </a:fontRef>
+        </p:style>
+        <p:txBody>
+          <a:bodyPr rtlCol="0" anchor="ctr"/>
+          <a:lstStyle/>
+          <a:p>
+            <a:pPr algn="ctr"/>
+            <a:endParaRPr lang="en-GB"/>
+          </a:p>
+        </p:txBody>
+      </p:sp>
+      <p:pic>
+        <p:nvPicPr>
+          <p:cNvPr id="8" name="Picture 7"/>
+          <p:cNvPicPr>
+            <a:picLocks noChangeAspect="1"/>
+          </p:cNvPicPr>
+          <p:nvPr/>
+        </p:nvPicPr>
+        <p:blipFill>
+          <a:blip r:embed="rId3" cstate="print">
+            <a:extLst>
+              <a:ext uri="{28A0092B-C50C-407E-A947-70E740481C1C}">
+                <a14:useLocalDpi xmlns:a14="http://schemas.microsoft.com/office/drawing/2010/main" val="0"/>
+              </a:ext>
+            </a:extLst>
+          </a:blip>
+          <a:stretch>
+            <a:fillRect/>
+          </a:stretch>
+        </p:blipFill>
+        <p:spPr>
+          <a:xfrm>
+            <a:off x="2149590" y="4975166"/>
+            <a:ext cx="457350" cy="539099"/>
+          </a:xfrm>
+          <a:prstGeom prst="rect">
+            <a:avLst/>
+          </a:prstGeom>
+        </p:spPr>
+      </p:pic>
+      <p:sp>
+        <p:nvSpPr>
+          <p:cNvPr id="9" name="TextBox 8"/>
+          <p:cNvSpPr txBox="1"/>
+          <p:nvPr/>
+        </p:nvSpPr>
+        <p:spPr>
+          <a:xfrm>
+            <a:off x="2050587" y="5503281"/>
+            <a:ext cx="596638" cy="369332"/>
+          </a:xfrm>
+          <a:prstGeom prst="rect">
+            <a:avLst/>
+          </a:prstGeom>
+          <a:noFill/>
+        </p:spPr>
+        <p:txBody>
+          <a:bodyPr wrap="none" rtlCol="0">
+            <a:spAutoFit/>
+          </a:bodyPr>
+          <a:lstStyle/>
+          <a:p>
+            <a:r>
+              <a:rPr lang="en-GB" b="1" dirty="0" smtClean="0"/>
+              <a:t>user</a:t>
+            </a:r>
+            <a:endParaRPr lang="en-GB" b="1" dirty="0"/>
+          </a:p>
+        </p:txBody>
+      </p:sp>
+      <p:cxnSp>
+        <p:nvCxnSpPr>
+          <p:cNvPr id="10" name="Straight Connector 9"/>
+          <p:cNvCxnSpPr/>
+          <p:nvPr/>
+        </p:nvCxnSpPr>
+        <p:spPr>
+          <a:xfrm flipV="1">
+            <a:off x="2418542" y="3900791"/>
+            <a:ext cx="0" cy="924128"/>
+          </a:xfrm>
+          <a:prstGeom prst="line">
+            <a:avLst/>
+          </a:prstGeom>
+          <a:ln w="38100"/>
+        </p:spPr>
+        <p:style>
+          <a:lnRef idx="1">
+            <a:schemeClr val="accent1"/>
+          </a:lnRef>
+          <a:fillRef idx="0">
+            <a:schemeClr val="accent1"/>
+          </a:fillRef>
+          <a:effectRef idx="0">
+            <a:schemeClr val="accent1"/>
+          </a:effectRef>
+          <a:fontRef idx="minor">
+            <a:schemeClr val="tx1"/>
+          </a:fontRef>
+        </p:style>
+      </p:cxnSp>
+      <p:sp>
+        <p:nvSpPr>
+          <p:cNvPr id="11" name="Arc 10"/>
+          <p:cNvSpPr/>
+          <p:nvPr/>
+        </p:nvSpPr>
+        <p:spPr>
+          <a:xfrm flipH="1" flipV="1">
+            <a:off x="2567955" y="2250708"/>
+            <a:ext cx="2451520" cy="3102326"/>
+          </a:xfrm>
+          <a:prstGeom prst="arc">
+            <a:avLst/>
+          </a:prstGeom>
+          <a:ln w="38100">
+            <a:headEnd type="arrow" w="med" len="med"/>
+            <a:tailEnd type="none" w="med" len="med"/>
+          </a:ln>
+        </p:spPr>
+        <p:style>
+          <a:lnRef idx="1">
+            <a:schemeClr val="accent1"/>
+          </a:lnRef>
+          <a:fillRef idx="0">
+            <a:schemeClr val="accent1"/>
+          </a:fillRef>
+          <a:effectRef idx="0">
+            <a:schemeClr val="accent1"/>
+          </a:effectRef>
+          <a:fontRef idx="minor">
+            <a:schemeClr val="tx1"/>
+          </a:fontRef>
+        </p:style>
+        <p:txBody>
+          <a:bodyPr rtlCol="0" anchor="ctr"/>
+          <a:lstStyle/>
+          <a:p>
+            <a:pPr algn="ctr"/>
+            <a:endParaRPr lang="en-GB"/>
+          </a:p>
+        </p:txBody>
+      </p:sp>
+      <p:sp>
+        <p:nvSpPr>
+          <p:cNvPr id="13" name="TextBox 12"/>
+          <p:cNvSpPr txBox="1"/>
+          <p:nvPr/>
+        </p:nvSpPr>
+        <p:spPr>
+          <a:xfrm>
+            <a:off x="3545208" y="5507760"/>
+            <a:ext cx="1115818" cy="307777"/>
+          </a:xfrm>
+          <a:prstGeom prst="rect">
+            <a:avLst/>
+          </a:prstGeom>
+          <a:noFill/>
+        </p:spPr>
+        <p:txBody>
+          <a:bodyPr wrap="none" rtlCol="0">
+            <a:spAutoFit/>
+          </a:bodyPr>
+          <a:lstStyle/>
+          <a:p>
+            <a:r>
+              <a:rPr lang="en-GB" sz="1400" b="1" dirty="0" smtClean="0"/>
+              <a:t>Local branch</a:t>
+            </a:r>
+            <a:endParaRPr lang="en-GB" sz="1400" b="1" dirty="0"/>
+          </a:p>
+        </p:txBody>
+      </p:sp>
+      <p:sp>
+        <p:nvSpPr>
+          <p:cNvPr id="14" name="Oval 13"/>
+          <p:cNvSpPr/>
+          <p:nvPr/>
+        </p:nvSpPr>
+        <p:spPr>
+          <a:xfrm>
+            <a:off x="3936313" y="5173072"/>
+            <a:ext cx="379379" cy="359923"/>
+          </a:xfrm>
+          <a:prstGeom prst="ellipse">
+            <a:avLst/>
+          </a:prstGeom>
+        </p:spPr>
+        <p:style>
+          <a:lnRef idx="2">
+            <a:schemeClr val="accent6">
+              <a:shade val="50000"/>
+            </a:schemeClr>
+          </a:lnRef>
+          <a:fillRef idx="1">
+            <a:schemeClr val="accent6"/>
+          </a:fillRef>
+          <a:effectRef idx="0">
+            <a:schemeClr val="accent6"/>
+          </a:effectRef>
+          <a:fontRef idx="minor">
+            <a:schemeClr val="lt1"/>
+          </a:fontRef>
+        </p:style>
+        <p:txBody>
+          <a:bodyPr rtlCol="0" anchor="ctr"/>
+          <a:lstStyle/>
+          <a:p>
+            <a:pPr algn="ctr"/>
+            <a:endParaRPr lang="en-GB"/>
+          </a:p>
+        </p:txBody>
+      </p:sp>
+      <p:sp>
+        <p:nvSpPr>
+          <p:cNvPr id="12" name="TextBox 11"/>
+          <p:cNvSpPr txBox="1"/>
+          <p:nvPr/>
+        </p:nvSpPr>
+        <p:spPr>
+          <a:xfrm rot="3190743">
+            <a:off x="2800432" y="4567569"/>
+            <a:ext cx="464935" cy="276999"/>
+          </a:xfrm>
+          <a:prstGeom prst="rect">
+            <a:avLst/>
+          </a:prstGeom>
+          <a:noFill/>
+        </p:spPr>
+        <p:txBody>
+          <a:bodyPr wrap="none" rtlCol="0">
+            <a:spAutoFit/>
+          </a:bodyPr>
+          <a:lstStyle/>
+          <a:p>
+            <a:r>
+              <a:rPr lang="en-GB" sz="1200" b="1" dirty="0" smtClean="0">
+                <a:solidFill>
+                  <a:srgbClr val="5B9BD5"/>
+                </a:solidFill>
+              </a:rPr>
+              <a:t>Fork</a:t>
+            </a:r>
+            <a:endParaRPr lang="en-GB" sz="1200" b="1" dirty="0">
+              <a:solidFill>
+                <a:srgbClr val="5B9BD5"/>
+              </a:solidFill>
+            </a:endParaRPr>
+          </a:p>
+        </p:txBody>
+      </p:sp>
+      <p:sp>
+        <p:nvSpPr>
+          <p:cNvPr id="16" name="Oval 15"/>
+          <p:cNvSpPr/>
+          <p:nvPr/>
+        </p:nvSpPr>
+        <p:spPr>
+          <a:xfrm>
+            <a:off x="6853530" y="3441948"/>
+            <a:ext cx="379379" cy="359923"/>
+          </a:xfrm>
+          <a:prstGeom prst="ellipse">
+            <a:avLst/>
+          </a:prstGeom>
+        </p:spPr>
+        <p:style>
+          <a:lnRef idx="2">
+            <a:schemeClr val="accent3">
+              <a:shade val="50000"/>
+            </a:schemeClr>
+          </a:lnRef>
+          <a:fillRef idx="1">
+            <a:schemeClr val="accent3"/>
+          </a:fillRef>
+          <a:effectRef idx="0">
+            <a:schemeClr val="accent3"/>
+          </a:effectRef>
+          <a:fontRef idx="minor">
+            <a:schemeClr val="lt1"/>
+          </a:fontRef>
+        </p:style>
+        <p:txBody>
+          <a:bodyPr rtlCol="0" anchor="ctr"/>
+          <a:lstStyle/>
+          <a:p>
+            <a:pPr algn="ctr"/>
+            <a:endParaRPr lang="en-GB"/>
+          </a:p>
+        </p:txBody>
+      </p:sp>
+      <p:cxnSp>
+        <p:nvCxnSpPr>
+          <p:cNvPr id="17" name="Straight Arrow Connector 16"/>
+          <p:cNvCxnSpPr/>
+          <p:nvPr/>
+        </p:nvCxnSpPr>
+        <p:spPr>
+          <a:xfrm>
+            <a:off x="4523364" y="5353033"/>
+            <a:ext cx="739302" cy="0"/>
+          </a:xfrm>
+          <a:prstGeom prst="straightConnector1">
+            <a:avLst/>
+          </a:prstGeom>
+          <a:ln w="38100">
+            <a:tailEnd type="triangle"/>
+          </a:ln>
+        </p:spPr>
+        <p:style>
+          <a:lnRef idx="1">
+            <a:schemeClr val="accent1"/>
+          </a:lnRef>
+          <a:fillRef idx="0">
+            <a:schemeClr val="accent1"/>
+          </a:fillRef>
+          <a:effectRef idx="0">
+            <a:schemeClr val="accent1"/>
+          </a:effectRef>
+          <a:fontRef idx="minor">
+            <a:schemeClr val="tx1"/>
+          </a:fontRef>
+        </p:style>
+      </p:cxnSp>
+      <p:cxnSp>
+        <p:nvCxnSpPr>
+          <p:cNvPr id="20" name="Straight Arrow Connector 19"/>
+          <p:cNvCxnSpPr/>
+          <p:nvPr/>
+        </p:nvCxnSpPr>
+        <p:spPr>
+          <a:xfrm>
+            <a:off x="5940362" y="5341569"/>
+            <a:ext cx="739302" cy="0"/>
+          </a:xfrm>
+          <a:prstGeom prst="straightConnector1">
+            <a:avLst/>
+          </a:prstGeom>
+          <a:ln w="38100">
+            <a:tailEnd type="triangle"/>
+          </a:ln>
+        </p:spPr>
+        <p:style>
+          <a:lnRef idx="1">
+            <a:schemeClr val="accent1"/>
+          </a:lnRef>
+          <a:fillRef idx="0">
+            <a:schemeClr val="accent1"/>
+          </a:fillRef>
+          <a:effectRef idx="0">
+            <a:schemeClr val="accent1"/>
+          </a:effectRef>
+          <a:fontRef idx="minor">
+            <a:schemeClr val="tx1"/>
+          </a:fontRef>
+        </p:style>
+      </p:cxnSp>
+      <p:sp>
+        <p:nvSpPr>
+          <p:cNvPr id="21" name="Oval 20"/>
+          <p:cNvSpPr/>
+          <p:nvPr/>
+        </p:nvSpPr>
+        <p:spPr>
+          <a:xfrm>
+            <a:off x="6861096" y="5154342"/>
+            <a:ext cx="379379" cy="359923"/>
+          </a:xfrm>
+          <a:prstGeom prst="ellipse">
+            <a:avLst/>
+          </a:prstGeom>
+        </p:spPr>
+        <p:style>
+          <a:lnRef idx="2">
+            <a:schemeClr val="accent2">
+              <a:shade val="50000"/>
+            </a:schemeClr>
+          </a:lnRef>
+          <a:fillRef idx="1">
+            <a:schemeClr val="accent2"/>
+          </a:fillRef>
+          <a:effectRef idx="0">
+            <a:schemeClr val="accent2"/>
+          </a:effectRef>
+          <a:fontRef idx="minor">
+            <a:schemeClr val="lt1"/>
+          </a:fontRef>
+        </p:style>
+        <p:txBody>
+          <a:bodyPr rtlCol="0" anchor="ctr"/>
+          <a:lstStyle/>
+          <a:p>
+            <a:pPr algn="ctr"/>
+            <a:endParaRPr lang="en-GB"/>
+          </a:p>
+        </p:txBody>
+      </p:sp>
+      <p:sp>
+        <p:nvSpPr>
+          <p:cNvPr id="23" name="TextBox 22"/>
+          <p:cNvSpPr txBox="1"/>
+          <p:nvPr/>
+        </p:nvSpPr>
+        <p:spPr>
+          <a:xfrm>
+            <a:off x="6341786" y="5542171"/>
+            <a:ext cx="1418209" cy="307777"/>
+          </a:xfrm>
+          <a:prstGeom prst="rect">
+            <a:avLst/>
+          </a:prstGeom>
+          <a:noFill/>
+        </p:spPr>
+        <p:txBody>
+          <a:bodyPr wrap="none" rtlCol="0">
+            <a:spAutoFit/>
+          </a:bodyPr>
+          <a:lstStyle/>
+          <a:p>
+            <a:r>
+              <a:rPr lang="en-GB" sz="1400" b="1" dirty="0" smtClean="0"/>
+              <a:t>Modified branch</a:t>
+            </a:r>
+            <a:endParaRPr lang="en-GB" sz="1400" b="1" dirty="0"/>
+          </a:p>
+        </p:txBody>
+      </p:sp>
+      <p:sp>
+        <p:nvSpPr>
+          <p:cNvPr id="24" name="TextBox 23"/>
+          <p:cNvSpPr txBox="1"/>
+          <p:nvPr/>
+        </p:nvSpPr>
+        <p:spPr>
+          <a:xfrm>
+            <a:off x="4876523" y="5691709"/>
+            <a:ext cx="1414746" cy="307777"/>
+          </a:xfrm>
+          <a:prstGeom prst="rect">
+            <a:avLst/>
+          </a:prstGeom>
+          <a:noFill/>
+        </p:spPr>
+        <p:txBody>
+          <a:bodyPr wrap="none" rtlCol="0">
+            <a:spAutoFit/>
+          </a:bodyPr>
+          <a:lstStyle/>
+          <a:p>
+            <a:r>
+              <a:rPr lang="en-GB" sz="1400" b="1" dirty="0" smtClean="0"/>
+              <a:t>Edits &amp; Commits</a:t>
+            </a:r>
+            <a:endParaRPr lang="en-GB" sz="1400" b="1" dirty="0"/>
+          </a:p>
+        </p:txBody>
+      </p:sp>
+      <p:cxnSp>
+        <p:nvCxnSpPr>
+          <p:cNvPr id="25" name="Straight Arrow Connector 24"/>
+          <p:cNvCxnSpPr/>
+          <p:nvPr/>
+        </p:nvCxnSpPr>
+        <p:spPr>
+          <a:xfrm>
+            <a:off x="2747554" y="3613505"/>
+            <a:ext cx="3993716" cy="0"/>
+          </a:xfrm>
+          <a:prstGeom prst="straightConnector1">
+            <a:avLst/>
+          </a:prstGeom>
+          <a:ln w="38100">
+            <a:prstDash val="dash"/>
+            <a:tailEnd type="triangle"/>
+          </a:ln>
+        </p:spPr>
+        <p:style>
+          <a:lnRef idx="1">
+            <a:schemeClr val="accent1"/>
+          </a:lnRef>
+          <a:fillRef idx="0">
+            <a:schemeClr val="accent1"/>
+          </a:fillRef>
+          <a:effectRef idx="0">
+            <a:schemeClr val="accent1"/>
+          </a:effectRef>
+          <a:fontRef idx="minor">
+            <a:schemeClr val="tx1"/>
+          </a:fontRef>
+        </p:style>
+      </p:cxnSp>
+      <p:sp>
+        <p:nvSpPr>
+          <p:cNvPr id="27" name="Arc 26"/>
+          <p:cNvSpPr/>
+          <p:nvPr/>
+        </p:nvSpPr>
+        <p:spPr>
+          <a:xfrm rot="21219981" flipH="1">
+            <a:off x="7273931" y="3742427"/>
+            <a:ext cx="5303169" cy="2538973"/>
+          </a:xfrm>
+          <a:prstGeom prst="arc">
+            <a:avLst/>
+          </a:prstGeom>
+          <a:ln w="38100">
+            <a:headEnd type="arrow" w="med" len="med"/>
+            <a:tailEnd type="none" w="med" len="med"/>
+          </a:ln>
+        </p:spPr>
+        <p:style>
+          <a:lnRef idx="1">
+            <a:schemeClr val="accent1"/>
+          </a:lnRef>
+          <a:fillRef idx="0">
+            <a:schemeClr val="accent1"/>
+          </a:fillRef>
+          <a:effectRef idx="0">
+            <a:schemeClr val="accent1"/>
+          </a:effectRef>
+          <a:fontRef idx="minor">
+            <a:schemeClr val="tx1"/>
+          </a:fontRef>
+        </p:style>
+        <p:txBody>
+          <a:bodyPr rtlCol="0" anchor="ctr"/>
+          <a:lstStyle/>
+          <a:p>
+            <a:pPr algn="ctr"/>
+            <a:endParaRPr lang="en-GB"/>
+          </a:p>
+        </p:txBody>
+      </p:sp>
+      <p:sp>
+        <p:nvSpPr>
+          <p:cNvPr id="28" name="Oval 27"/>
+          <p:cNvSpPr/>
+          <p:nvPr/>
+        </p:nvSpPr>
+        <p:spPr>
+          <a:xfrm>
+            <a:off x="9782143" y="3424020"/>
+            <a:ext cx="379379" cy="359923"/>
+          </a:xfrm>
+          <a:prstGeom prst="ellipse">
+            <a:avLst/>
+          </a:prstGeom>
+        </p:spPr>
+        <p:style>
+          <a:lnRef idx="2">
+            <a:schemeClr val="accent6">
+              <a:shade val="50000"/>
+            </a:schemeClr>
+          </a:lnRef>
+          <a:fillRef idx="1">
+            <a:schemeClr val="accent6"/>
+          </a:fillRef>
+          <a:effectRef idx="0">
+            <a:schemeClr val="accent6"/>
+          </a:effectRef>
+          <a:fontRef idx="minor">
+            <a:schemeClr val="lt1"/>
+          </a:fontRef>
+        </p:style>
+        <p:txBody>
+          <a:bodyPr rtlCol="0" anchor="ctr"/>
+          <a:lstStyle/>
+          <a:p>
+            <a:pPr algn="ctr"/>
+            <a:endParaRPr lang="en-GB"/>
+          </a:p>
+        </p:txBody>
+      </p:sp>
+      <p:cxnSp>
+        <p:nvCxnSpPr>
+          <p:cNvPr id="26" name="Straight Arrow Connector 25"/>
+          <p:cNvCxnSpPr>
+            <a:stCxn id="16" idx="4"/>
+            <a:endCxn id="21" idx="0"/>
+          </p:cNvCxnSpPr>
+          <p:nvPr/>
+        </p:nvCxnSpPr>
+        <p:spPr>
+          <a:xfrm>
+            <a:off x="7043220" y="3801871"/>
+            <a:ext cx="7566" cy="1352471"/>
+          </a:xfrm>
+          <a:prstGeom prst="straightConnector1">
+            <a:avLst/>
+          </a:prstGeom>
+          <a:ln w="38100">
+            <a:solidFill>
+              <a:schemeClr val="tx1"/>
+            </a:solidFill>
+            <a:prstDash val="sysDash"/>
+            <a:headEnd type="triangle" w="med" len="med"/>
+            <a:tailEnd type="triangle" w="med" len="med"/>
+          </a:ln>
+        </p:spPr>
+        <p:style>
+          <a:lnRef idx="1">
+            <a:schemeClr val="accent1"/>
+          </a:lnRef>
+          <a:fillRef idx="0">
+            <a:schemeClr val="accent1"/>
+          </a:fillRef>
+          <a:effectRef idx="0">
+            <a:schemeClr val="accent1"/>
+          </a:effectRef>
+          <a:fontRef idx="minor">
+            <a:schemeClr val="tx1"/>
+          </a:fontRef>
+        </p:style>
+      </p:cxnSp>
+      <p:sp>
+        <p:nvSpPr>
+          <p:cNvPr id="34" name="TextBox 33"/>
+          <p:cNvSpPr txBox="1"/>
+          <p:nvPr/>
+        </p:nvSpPr>
+        <p:spPr>
+          <a:xfrm rot="16200000">
+            <a:off x="6687430" y="4381644"/>
+            <a:ext cx="417102" cy="276999"/>
+          </a:xfrm>
+          <a:prstGeom prst="rect">
+            <a:avLst/>
+          </a:prstGeom>
+          <a:noFill/>
+        </p:spPr>
+        <p:txBody>
+          <a:bodyPr wrap="none" rtlCol="0">
+            <a:spAutoFit/>
+          </a:bodyPr>
+          <a:lstStyle/>
+          <a:p>
+            <a:r>
+              <a:rPr lang="en-GB" sz="1200" b="1" dirty="0" smtClean="0"/>
+              <a:t>Diff</a:t>
+            </a:r>
+            <a:endParaRPr lang="en-GB" sz="1200" b="1" dirty="0"/>
+          </a:p>
+        </p:txBody>
+      </p:sp>
+      <p:sp>
+        <p:nvSpPr>
+          <p:cNvPr id="35" name="TextBox 34"/>
+          <p:cNvSpPr txBox="1"/>
+          <p:nvPr/>
+        </p:nvSpPr>
+        <p:spPr>
+          <a:xfrm rot="19969941">
+            <a:off x="7807334" y="4248640"/>
+            <a:ext cx="978986" cy="276999"/>
+          </a:xfrm>
+          <a:prstGeom prst="rect">
+            <a:avLst/>
+          </a:prstGeom>
+          <a:noFill/>
+        </p:spPr>
+        <p:txBody>
+          <a:bodyPr wrap="none" rtlCol="0">
+            <a:spAutoFit/>
+          </a:bodyPr>
+          <a:lstStyle/>
+          <a:p>
+            <a:r>
+              <a:rPr lang="en-GB" sz="1200" b="1" dirty="0" smtClean="0">
+                <a:solidFill>
+                  <a:srgbClr val="5B9BD5"/>
+                </a:solidFill>
+              </a:rPr>
+              <a:t>Pull Request</a:t>
+            </a:r>
+            <a:endParaRPr lang="en-GB" sz="1200" b="1" dirty="0">
+              <a:solidFill>
+                <a:srgbClr val="5B9BD5"/>
+              </a:solidFill>
+            </a:endParaRPr>
+          </a:p>
+        </p:txBody>
+      </p:sp>
+      <p:cxnSp>
+        <p:nvCxnSpPr>
+          <p:cNvPr id="36" name="Straight Arrow Connector 35"/>
+          <p:cNvCxnSpPr/>
+          <p:nvPr/>
+        </p:nvCxnSpPr>
+        <p:spPr>
+          <a:xfrm>
+            <a:off x="7329645" y="3608317"/>
+            <a:ext cx="2339651" cy="0"/>
+          </a:xfrm>
+          <a:prstGeom prst="straightConnector1">
+            <a:avLst/>
+          </a:prstGeom>
+          <a:ln w="38100">
+            <a:prstDash val="dash"/>
+            <a:tailEnd type="triangle"/>
+          </a:ln>
+        </p:spPr>
+        <p:style>
+          <a:lnRef idx="1">
+            <a:schemeClr val="accent1"/>
+          </a:lnRef>
+          <a:fillRef idx="0">
+            <a:schemeClr val="accent1"/>
+          </a:fillRef>
+          <a:effectRef idx="0">
+            <a:schemeClr val="accent1"/>
+          </a:effectRef>
+          <a:fontRef idx="minor">
+            <a:schemeClr val="tx1"/>
+          </a:fontRef>
+        </p:style>
+      </p:cxnSp>
+      <p:sp>
+        <p:nvSpPr>
+          <p:cNvPr id="39" name="TextBox 38"/>
+          <p:cNvSpPr txBox="1"/>
+          <p:nvPr/>
+        </p:nvSpPr>
+        <p:spPr>
+          <a:xfrm>
+            <a:off x="9438888" y="5507761"/>
+            <a:ext cx="1115818" cy="307777"/>
+          </a:xfrm>
+          <a:prstGeom prst="rect">
+            <a:avLst/>
+          </a:prstGeom>
+          <a:noFill/>
+        </p:spPr>
+        <p:txBody>
+          <a:bodyPr wrap="none" rtlCol="0">
+            <a:spAutoFit/>
+          </a:bodyPr>
+          <a:lstStyle/>
+          <a:p>
+            <a:r>
+              <a:rPr lang="en-GB" sz="1400" b="1" dirty="0" smtClean="0"/>
+              <a:t>Local branch</a:t>
+            </a:r>
+            <a:endParaRPr lang="en-GB" sz="1400" b="1" dirty="0"/>
+          </a:p>
+        </p:txBody>
+      </p:sp>
+      <p:sp>
+        <p:nvSpPr>
+          <p:cNvPr id="40" name="Oval 39"/>
+          <p:cNvSpPr/>
+          <p:nvPr/>
+        </p:nvSpPr>
+        <p:spPr>
+          <a:xfrm>
+            <a:off x="9818651" y="5149155"/>
+            <a:ext cx="379379" cy="359923"/>
+          </a:xfrm>
+          <a:prstGeom prst="ellipse">
+            <a:avLst/>
+          </a:prstGeom>
+        </p:spPr>
+        <p:style>
+          <a:lnRef idx="2">
+            <a:schemeClr val="accent6">
+              <a:shade val="50000"/>
+            </a:schemeClr>
+          </a:lnRef>
+          <a:fillRef idx="1">
+            <a:schemeClr val="accent6"/>
+          </a:fillRef>
+          <a:effectRef idx="0">
+            <a:schemeClr val="accent6"/>
+          </a:effectRef>
+          <a:fontRef idx="minor">
+            <a:schemeClr val="lt1"/>
+          </a:fontRef>
+        </p:style>
+        <p:txBody>
+          <a:bodyPr rtlCol="0" anchor="ctr"/>
+          <a:lstStyle/>
+          <a:p>
+            <a:pPr algn="ctr"/>
+            <a:endParaRPr lang="en-GB"/>
+          </a:p>
+        </p:txBody>
+      </p:sp>
+      <p:cxnSp>
+        <p:nvCxnSpPr>
+          <p:cNvPr id="41" name="Straight Arrow Connector 40"/>
+          <p:cNvCxnSpPr/>
+          <p:nvPr/>
+        </p:nvCxnSpPr>
+        <p:spPr>
+          <a:xfrm>
+            <a:off x="7480573" y="5370330"/>
+            <a:ext cx="2301570" cy="0"/>
+          </a:xfrm>
+          <a:prstGeom prst="straightConnector1">
+            <a:avLst/>
+          </a:prstGeom>
+          <a:ln w="38100">
+            <a:tailEnd type="triangle"/>
+          </a:ln>
+        </p:spPr>
+        <p:style>
+          <a:lnRef idx="1">
+            <a:schemeClr val="accent1"/>
+          </a:lnRef>
+          <a:fillRef idx="0">
+            <a:schemeClr val="accent1"/>
+          </a:fillRef>
+          <a:effectRef idx="0">
+            <a:schemeClr val="accent1"/>
+          </a:effectRef>
+          <a:fontRef idx="minor">
+            <a:schemeClr val="tx1"/>
+          </a:fontRef>
+        </p:style>
+      </p:cxnSp>
+    </p:spTree>
+    <p:extLst>
+      <p:ext uri="{BB962C8B-B14F-4D97-AF65-F5344CB8AC3E}">
+        <p14:creationId xmlns:p14="http://schemas.microsoft.com/office/powerpoint/2010/main" val="3882751286"/>
+      </p:ext>
+    </p:extLst>
+  </p:cSld>
+  <p:clrMapOvr>
+    <a:masterClrMapping/>
+  </p:clrMapOvr>
+  <p:timing>
+    <p:tnLst>
+      <p:par>
+        <p:cTn id="1" dur="indefinite" restart="never" nodeType="tmRoot"/>
+      </p:par>
+    </p:tnLst>
+  </p:timing>
+</p:sld>
+</file>
+
+<file path=ppt/slides/slide5.xml><?xml version="1.0" encoding="utf-8"?>
+<p:sld xmlns:a="http://schemas.openxmlformats.org/drawingml/2006/main" xmlns:r="http://schemas.openxmlformats.org/officeDocument/2006/relationships" xmlns:p="http://schemas.openxmlformats.org/presentationml/2006/main">
+  <p:cSld>
+    <p:spTree>
+      <p:nvGrpSpPr>
+        <p:cNvPr id="1" name=""/>
+        <p:cNvGrpSpPr/>
+        <p:nvPr/>
+      </p:nvGrpSpPr>
+      <p:grpSpPr>
+        <a:xfrm>
+          <a:off x="0" y="0"/>
+          <a:ext cx="0" cy="0"/>
+          <a:chOff x="0" y="0"/>
+          <a:chExt cx="0" cy="0"/>
+        </a:xfrm>
+      </p:grpSpPr>
+      <p:sp>
+        <p:nvSpPr>
+          <p:cNvPr id="38" name="Title 5"/>
+          <p:cNvSpPr txBox="1">
+            <a:spLocks/>
+          </p:cNvSpPr>
+          <p:nvPr/>
+        </p:nvSpPr>
+        <p:spPr>
+          <a:xfrm>
+            <a:off x="436082" y="483783"/>
+            <a:ext cx="9963149" cy="585227"/>
+          </a:xfrm>
+        </p:spPr>
+        <p:txBody>
+          <a:bodyPr>
+            <a:noAutofit/>
+          </a:bodyPr>
+          <a:lstStyle>
+            <a:lvl1pPr algn="l" defTabSz="914400" rtl="0" eaLnBrk="1" latinLnBrk="0" hangingPunct="1">
+              <a:spcBef>
+                <a:spcPct val="0"/>
+              </a:spcBef>
+              <a:buNone/>
+              <a:defRPr sz="2000" b="1" kern="1200">
+                <a:solidFill>
+                  <a:schemeClr val="tx1"/>
+                </a:solidFill>
+                <a:latin typeface="Arial" panose="020B0604020202020204" pitchFamily="34" charset="0"/>
+                <a:ea typeface="+mj-ea"/>
+                <a:cs typeface="Arial" panose="020B0604020202020204" pitchFamily="34" charset="0"/>
+              </a:defRPr>
+            </a:lvl1pPr>
+          </a:lstStyle>
+          <a:p>
+            <a:r>
+              <a:rPr lang="en-GB" sz="2667" b="0" dirty="0" smtClean="0"/>
+              <a:t>CNTT Technology WG </a:t>
+            </a:r>
+            <a:r>
+              <a:rPr lang="en-GB" sz="2667" b="0" dirty="0" smtClean="0">
+                <a:solidFill>
+                  <a:schemeClr val="bg1">
+                    <a:lumMod val="50000"/>
+                  </a:schemeClr>
+                </a:solidFill>
+              </a:rPr>
+              <a:t>| </a:t>
+            </a:r>
+            <a:r>
+              <a:rPr lang="en-GB" sz="2667" b="0" dirty="0" smtClean="0">
+                <a:solidFill>
+                  <a:schemeClr val="bg1">
+                    <a:lumMod val="50000"/>
+                  </a:schemeClr>
+                </a:solidFill>
+              </a:rPr>
+              <a:t>Contribution Modes</a:t>
+            </a:r>
+            <a:endParaRPr lang="en-GB" sz="2667" b="0" dirty="0">
+              <a:solidFill>
+                <a:schemeClr val="bg1">
+                  <a:lumMod val="50000"/>
+                </a:schemeClr>
+              </a:solidFill>
+            </a:endParaRPr>
+          </a:p>
+        </p:txBody>
+      </p:sp>
+      <p:sp>
+        <p:nvSpPr>
+          <p:cNvPr id="2" name="TextBox 1"/>
+          <p:cNvSpPr txBox="1"/>
+          <p:nvPr/>
+        </p:nvSpPr>
+        <p:spPr>
+          <a:xfrm>
+            <a:off x="436082" y="1322962"/>
+            <a:ext cx="11201736" cy="5201424"/>
+          </a:xfrm>
+          <a:prstGeom prst="rect">
+            <a:avLst/>
+          </a:prstGeom>
+          <a:noFill/>
+        </p:spPr>
+        <p:txBody>
+          <a:bodyPr wrap="square" rtlCol="0">
+            <a:spAutoFit/>
+          </a:bodyPr>
+          <a:lstStyle/>
+          <a:p>
+            <a:pPr>
+              <a:lnSpc>
+                <a:spcPct val="150000"/>
+              </a:lnSpc>
+            </a:pPr>
+            <a:r>
+              <a:rPr lang="en-GB" sz="2800" dirty="0" smtClean="0"/>
+              <a:t>Any update to master will need Pull Request to push changes from local branch into master branch, this can be done by two ways: </a:t>
+            </a:r>
+          </a:p>
+          <a:p>
+            <a:pPr marL="457200" indent="-457200">
+              <a:lnSpc>
+                <a:spcPct val="150000"/>
+              </a:lnSpc>
+              <a:buFont typeface="Wingdings" panose="05000000000000000000" pitchFamily="2" charset="2"/>
+              <a:buChar char="Ø"/>
+            </a:pPr>
+            <a:endParaRPr lang="en-GB" dirty="0" smtClean="0"/>
+          </a:p>
+          <a:p>
+            <a:pPr marL="457200" indent="-457200">
+              <a:buFont typeface="Wingdings" panose="05000000000000000000" pitchFamily="2" charset="2"/>
+              <a:buChar char="Ø"/>
+            </a:pPr>
+            <a:r>
+              <a:rPr lang="en-GB" sz="2800" dirty="0" smtClean="0"/>
+              <a:t>Editing a file </a:t>
+            </a:r>
+            <a:r>
+              <a:rPr lang="en-GB" sz="2800" dirty="0" smtClean="0">
+                <a:solidFill>
+                  <a:srgbClr val="FF0000"/>
+                </a:solidFill>
+              </a:rPr>
+              <a:t>directly</a:t>
+            </a:r>
+            <a:r>
+              <a:rPr lang="en-GB" sz="2800" dirty="0" smtClean="0"/>
+              <a:t> form </a:t>
+            </a:r>
+            <a:r>
+              <a:rPr lang="en-GB" sz="2800" b="1" dirty="0" err="1" smtClean="0"/>
+              <a:t>cntt</a:t>
+            </a:r>
+            <a:r>
+              <a:rPr lang="en-GB" sz="2800" b="1" dirty="0" smtClean="0"/>
+              <a:t>-n/CNTT</a:t>
+            </a:r>
+            <a:r>
+              <a:rPr lang="en-GB" sz="2800" dirty="0" smtClean="0"/>
+              <a:t> repository’s master branch and commit changes will allow you to create Pull Request.</a:t>
+            </a:r>
+          </a:p>
+          <a:p>
+            <a:pPr marL="914400" lvl="1" indent="-457200">
+              <a:buFont typeface="Arial" panose="020B0604020202020204" pitchFamily="34" charset="0"/>
+              <a:buChar char="•"/>
+            </a:pPr>
+            <a:r>
+              <a:rPr lang="en-GB" sz="2000" dirty="0" smtClean="0"/>
+              <a:t>This will also create a local branch (forked form master) in your account</a:t>
+            </a:r>
+          </a:p>
+          <a:p>
+            <a:pPr marL="457200" indent="-457200">
+              <a:buFont typeface="Wingdings" panose="05000000000000000000" pitchFamily="2" charset="2"/>
+              <a:buChar char="Ø"/>
+            </a:pPr>
+            <a:endParaRPr lang="en-GB" sz="2800" dirty="0"/>
+          </a:p>
+          <a:p>
+            <a:pPr marL="457200" indent="-457200">
+              <a:buFont typeface="Wingdings" panose="05000000000000000000" pitchFamily="2" charset="2"/>
+              <a:buChar char="Ø"/>
+            </a:pPr>
+            <a:r>
+              <a:rPr lang="en-GB" sz="2800" dirty="0" smtClean="0"/>
+              <a:t>Master can be </a:t>
+            </a:r>
+            <a:r>
+              <a:rPr lang="en-GB" sz="2800" dirty="0" smtClean="0">
+                <a:solidFill>
+                  <a:srgbClr val="FF0000"/>
+                </a:solidFill>
+              </a:rPr>
+              <a:t>manually</a:t>
+            </a:r>
+            <a:r>
+              <a:rPr lang="en-GB" sz="2800" dirty="0" smtClean="0"/>
+              <a:t> forked, changes can be made to your account local branch and a Pull </a:t>
+            </a:r>
+            <a:r>
+              <a:rPr lang="en-GB" sz="2800" dirty="0"/>
+              <a:t>R</a:t>
+            </a:r>
+            <a:r>
+              <a:rPr lang="en-GB" sz="2800" dirty="0" smtClean="0"/>
+              <a:t>equest can be created manually (by diffing local branch against </a:t>
+            </a:r>
+            <a:r>
+              <a:rPr lang="en-GB" sz="2800" dirty="0" err="1" smtClean="0"/>
+              <a:t>cntt</a:t>
+            </a:r>
+            <a:r>
+              <a:rPr lang="en-GB" sz="2800" dirty="0" smtClean="0"/>
+              <a:t>-n/</a:t>
+            </a:r>
+            <a:r>
+              <a:rPr lang="en-GB" sz="2800" dirty="0" err="1" smtClean="0"/>
+              <a:t>cntt</a:t>
+            </a:r>
+            <a:r>
+              <a:rPr lang="en-GB" sz="2800" dirty="0" smtClean="0"/>
+              <a:t> master). </a:t>
+            </a:r>
+          </a:p>
+          <a:p>
+            <a:pPr marL="914400" lvl="1" indent="-457200">
+              <a:lnSpc>
+                <a:spcPct val="150000"/>
+              </a:lnSpc>
+              <a:buFont typeface="Arial" panose="020B0604020202020204" pitchFamily="34" charset="0"/>
+              <a:buChar char="•"/>
+            </a:pPr>
+            <a:r>
+              <a:rPr lang="en-GB" sz="2000" dirty="0" smtClean="0"/>
+              <a:t>This is needed to </a:t>
+            </a:r>
+            <a:r>
+              <a:rPr lang="en-GB" sz="2000" dirty="0" smtClean="0">
+                <a:solidFill>
+                  <a:srgbClr val="FF0000"/>
+                </a:solidFill>
+              </a:rPr>
+              <a:t>upload files (such as images) </a:t>
+            </a:r>
+            <a:r>
+              <a:rPr lang="en-GB" sz="2000" dirty="0" smtClean="0"/>
+              <a:t>and easier for bulk changes.</a:t>
+            </a:r>
+          </a:p>
+        </p:txBody>
+      </p:sp>
+    </p:spTree>
+    <p:extLst>
+      <p:ext uri="{BB962C8B-B14F-4D97-AF65-F5344CB8AC3E}">
+        <p14:creationId xmlns:p14="http://schemas.microsoft.com/office/powerpoint/2010/main" val="538483671"/>
+      </p:ext>
+    </p:extLst>
+  </p:cSld>
+  <p:clrMapOvr>
+    <a:masterClrMapping/>
+  </p:clrMapOvr>
+  <p:timing>
+    <p:tnLst>
+      <p:par>
+        <p:cTn id="1" dur="indefinite" restart="never" nodeType="tmRoot"/>
+      </p:par>
+    </p:tnLst>
+  </p:timing>
+</p:sld>
+</file>
+
+<file path=ppt/slides/slide6.xml><?xml version="1.0" encoding="utf-8"?>
+<p:sld xmlns:a="http://schemas.openxmlformats.org/drawingml/2006/main" xmlns:r="http://schemas.openxmlformats.org/officeDocument/2006/relationships" xmlns:p="http://schemas.openxmlformats.org/presentationml/2006/main">
+  <p:cSld>
+    <p:spTree>
+      <p:nvGrpSpPr>
+        <p:cNvPr id="1" name=""/>
+        <p:cNvGrpSpPr/>
+        <p:nvPr/>
+      </p:nvGrpSpPr>
+      <p:grpSpPr>
+        <a:xfrm>
+          <a:off x="0" y="0"/>
+          <a:ext cx="0" cy="0"/>
+          <a:chOff x="0" y="0"/>
+          <a:chExt cx="0" cy="0"/>
+        </a:xfrm>
+      </p:grpSpPr>
+      <p:sp>
+        <p:nvSpPr>
+          <p:cNvPr id="38" name="Title 5"/>
+          <p:cNvSpPr txBox="1">
+            <a:spLocks/>
+          </p:cNvSpPr>
+          <p:nvPr/>
+        </p:nvSpPr>
+        <p:spPr>
+          <a:xfrm>
+            <a:off x="436082" y="483783"/>
+            <a:ext cx="9963149" cy="585227"/>
+          </a:xfrm>
+        </p:spPr>
+        <p:txBody>
+          <a:bodyPr>
+            <a:noAutofit/>
+          </a:bodyPr>
+          <a:lstStyle>
+            <a:lvl1pPr algn="l" defTabSz="914400" rtl="0" eaLnBrk="1" latinLnBrk="0" hangingPunct="1">
+              <a:spcBef>
+                <a:spcPct val="0"/>
+              </a:spcBef>
+              <a:buNone/>
+              <a:defRPr sz="2000" b="1" kern="1200">
+                <a:solidFill>
+                  <a:schemeClr val="tx1"/>
+                </a:solidFill>
+                <a:latin typeface="Arial" panose="020B0604020202020204" pitchFamily="34" charset="0"/>
+                <a:ea typeface="+mj-ea"/>
+                <a:cs typeface="Arial" panose="020B0604020202020204" pitchFamily="34" charset="0"/>
+              </a:defRPr>
+            </a:lvl1pPr>
+          </a:lstStyle>
+          <a:p>
+            <a:r>
+              <a:rPr lang="en-GB" sz="2667" b="0" dirty="0" smtClean="0"/>
+              <a:t>CNTT Technology WG </a:t>
+            </a:r>
+            <a:r>
+              <a:rPr lang="en-GB" sz="2667" b="0" dirty="0" smtClean="0">
+                <a:solidFill>
+                  <a:schemeClr val="bg1">
+                    <a:lumMod val="50000"/>
+                  </a:schemeClr>
+                </a:solidFill>
+              </a:rPr>
+              <a:t>| GitHub – Editing a file for a new commit.</a:t>
             </a:r>
             <a:endParaRPr lang="en-GB" sz="2667" b="0" dirty="0">
               <a:solidFill>
@@ -11438,7 +14985,6 @@
                 <a:rPr lang="en-GB" dirty="0"/>
                 <a:t>2</a:t>
               </a:r>
-              <a:endParaRPr lang="en-GB" dirty="0"/>
             </a:p>
           </p:txBody>
         </p:sp>
@@ -11521,7 +15067,7 @@
 </p:sld>
 </file>
 
-<file path=ppt/slides/slide5.xml><?xml version="1.0" encoding="utf-8"?>
+<file path=ppt/slides/slide7.xml><?xml version="1.0" encoding="utf-8"?>
 <p:sld xmlns:a="http://schemas.openxmlformats.org/drawingml/2006/main" xmlns:r="http://schemas.openxmlformats.org/officeDocument/2006/relationships" xmlns:p="http://schemas.openxmlformats.org/presentationml/2006/main">
   <p:cSld>
     <p:spTree>
@@ -11585,17 +15131,7 @@
                   </a:schemeClr>
                 </a:solidFill>
               </a:rPr>
-              <a:t>| </a:t>
-            </a:r>
-            <a:r>
-              <a:rPr lang="en-GB" sz="2667" b="0" dirty="0" smtClean="0">
-                <a:solidFill>
-                  <a:schemeClr val="bg1">
-                    <a:lumMod val="50000"/>
-                  </a:schemeClr>
-                </a:solidFill>
-              </a:rPr>
-              <a:t>GitHub – Editing a file for a new commit.</a:t>
+              <a:t>| GitHub – Editing a file for a new commit.</a:t>
             </a:r>
             <a:endParaRPr lang="en-GB" sz="2667" b="0" dirty="0">
               <a:solidFill>
@@ -11747,7 +15283,7 @@
 </p:sld>
 </file>
 
-<file path=ppt/slides/slide6.xml><?xml version="1.0" encoding="utf-8"?>
+<file path=ppt/slides/slide8.xml><?xml version="1.0" encoding="utf-8"?>
 <p:sld xmlns:a="http://schemas.openxmlformats.org/drawingml/2006/main" xmlns:r="http://schemas.openxmlformats.org/officeDocument/2006/relationships" xmlns:p="http://schemas.openxmlformats.org/presentationml/2006/main">
   <p:cSld>
     <p:spTree>
@@ -11811,17 +15347,7 @@
                   </a:schemeClr>
                 </a:solidFill>
               </a:rPr>
-              <a:t>| </a:t>
-            </a:r>
-            <a:r>
-              <a:rPr lang="en-GB" sz="2667" b="0" dirty="0" smtClean="0">
-                <a:solidFill>
-                  <a:schemeClr val="bg1">
-                    <a:lumMod val="50000"/>
-                  </a:schemeClr>
-                </a:solidFill>
-              </a:rPr>
-              <a:t>GitHub – Editing a file for a new commit.</a:t>
+              <a:t>| GitHub – Editing a file for a new commit.</a:t>
             </a:r>
             <a:endParaRPr lang="en-GB" sz="2667" b="0" dirty="0">
               <a:solidFill>
@@ -11973,7 +15499,7 @@
 </p:sld>
 </file>
 
-<file path=ppt/slides/slide7.xml><?xml version="1.0" encoding="utf-8"?>
+<file path=ppt/slides/slide9.xml><?xml version="1.0" encoding="utf-8"?>
 <p:sld xmlns:a="http://schemas.openxmlformats.org/drawingml/2006/main" xmlns:r="http://schemas.openxmlformats.org/officeDocument/2006/relationships" xmlns:p="http://schemas.openxmlformats.org/presentationml/2006/main">
   <p:cSld>
     <p:spTree>
@@ -12037,17 +15563,7 @@
                   </a:schemeClr>
                 </a:solidFill>
               </a:rPr>
-              <a:t>| </a:t>
-            </a:r>
-            <a:r>
-              <a:rPr lang="en-GB" sz="2667" b="0" dirty="0" smtClean="0">
-                <a:solidFill>
-                  <a:schemeClr val="bg1">
-                    <a:lumMod val="50000"/>
-                  </a:schemeClr>
-                </a:solidFill>
-              </a:rPr>
-              <a:t>GitHub – Editing a file for a new commit.</a:t>
+              <a:t>| GitHub – Editing a file for a new commit.</a:t>
             </a:r>
             <a:endParaRPr lang="en-GB" sz="2667" b="0" dirty="0">
               <a:solidFill>
@@ -12236,7 +15752,6 @@
                 <a:rPr lang="en-GB" dirty="0"/>
                 <a:t>6</a:t>
               </a:r>
-              <a:endParaRPr lang="en-GB" dirty="0"/>
             </a:p>
           </p:txBody>
         </p:sp>
@@ -12279,458 +15794,6 @@
     <p:extLst>
       <p:ext uri="{BB962C8B-B14F-4D97-AF65-F5344CB8AC3E}">
         <p14:creationId xmlns:p14="http://schemas.microsoft.com/office/powerpoint/2010/main" val="3986415244"/>
-      </p:ext>
-    </p:extLst>
-  </p:cSld>
-  <p:clrMapOvr>
-    <a:masterClrMapping/>
-  </p:clrMapOvr>
-  <p:timing>
-    <p:tnLst>
-      <p:par>
-        <p:cTn id="1" dur="indefinite" restart="never" nodeType="tmRoot"/>
-      </p:par>
-    </p:tnLst>
-  </p:timing>
-</p:sld>
-</file>
-
-<file path=ppt/slides/slide8.xml><?xml version="1.0" encoding="utf-8"?>
-<p:sld xmlns:a="http://schemas.openxmlformats.org/drawingml/2006/main" xmlns:r="http://schemas.openxmlformats.org/officeDocument/2006/relationships" xmlns:p="http://schemas.openxmlformats.org/presentationml/2006/main">
-  <p:cSld>
-    <p:spTree>
-      <p:nvGrpSpPr>
-        <p:cNvPr id="1" name=""/>
-        <p:cNvGrpSpPr/>
-        <p:nvPr/>
-      </p:nvGrpSpPr>
-      <p:grpSpPr>
-        <a:xfrm>
-          <a:off x="0" y="0"/>
-          <a:ext cx="0" cy="0"/>
-          <a:chOff x="0" y="0"/>
-          <a:chExt cx="0" cy="0"/>
-        </a:xfrm>
-      </p:grpSpPr>
-      <p:sp>
-        <p:nvSpPr>
-          <p:cNvPr id="38" name="Title 5"/>
-          <p:cNvSpPr txBox="1">
-            <a:spLocks/>
-          </p:cNvSpPr>
-          <p:nvPr/>
-        </p:nvSpPr>
-        <p:spPr>
-          <a:xfrm>
-            <a:off x="436082" y="483783"/>
-            <a:ext cx="9963149" cy="585227"/>
-          </a:xfrm>
-        </p:spPr>
-        <p:txBody>
-          <a:bodyPr>
-            <a:noAutofit/>
-          </a:bodyPr>
-          <a:lstStyle>
-            <a:lvl1pPr algn="l" defTabSz="914400" rtl="0" eaLnBrk="1" latinLnBrk="0" hangingPunct="1">
-              <a:spcBef>
-                <a:spcPct val="0"/>
-              </a:spcBef>
-              <a:buNone/>
-              <a:defRPr sz="2000" b="1" kern="1200">
-                <a:solidFill>
-                  <a:schemeClr val="tx1"/>
-                </a:solidFill>
-                <a:latin typeface="Arial" panose="020B0604020202020204" pitchFamily="34" charset="0"/>
-                <a:ea typeface="+mj-ea"/>
-                <a:cs typeface="Arial" panose="020B0604020202020204" pitchFamily="34" charset="0"/>
-              </a:defRPr>
-            </a:lvl1pPr>
-          </a:lstStyle>
-          <a:p>
-            <a:r>
-              <a:rPr lang="en-GB" sz="2667" b="0" dirty="0" smtClean="0"/>
-              <a:t>CNTT Technology WG </a:t>
-            </a:r>
-            <a:r>
-              <a:rPr lang="en-GB" sz="2667" b="0" dirty="0" smtClean="0">
-                <a:solidFill>
-                  <a:schemeClr val="bg1">
-                    <a:lumMod val="50000"/>
-                  </a:schemeClr>
-                </a:solidFill>
-              </a:rPr>
-              <a:t>| </a:t>
-            </a:r>
-            <a:r>
-              <a:rPr lang="en-GB" sz="2667" b="0" dirty="0" smtClean="0">
-                <a:solidFill>
-                  <a:schemeClr val="bg1">
-                    <a:lumMod val="50000"/>
-                  </a:schemeClr>
-                </a:solidFill>
-              </a:rPr>
-              <a:t>GitHub – Create Pull Request.</a:t>
-            </a:r>
-            <a:endParaRPr lang="en-GB" sz="2667" b="0" dirty="0">
-              <a:solidFill>
-                <a:schemeClr val="bg1">
-                  <a:lumMod val="50000"/>
-                </a:schemeClr>
-              </a:solidFill>
-            </a:endParaRPr>
-          </a:p>
-        </p:txBody>
-      </p:sp>
-      <p:grpSp>
-        <p:nvGrpSpPr>
-          <p:cNvPr id="5" name="Group 4"/>
-          <p:cNvGrpSpPr/>
-          <p:nvPr/>
-        </p:nvGrpSpPr>
-        <p:grpSpPr>
-          <a:xfrm>
-            <a:off x="675408" y="1215736"/>
-            <a:ext cx="10006447" cy="592282"/>
-            <a:chOff x="675408" y="1215736"/>
-            <a:chExt cx="10006447" cy="592282"/>
-          </a:xfrm>
-        </p:grpSpPr>
-        <p:sp>
-          <p:nvSpPr>
-            <p:cNvPr id="4" name="Oval 3"/>
-            <p:cNvSpPr/>
-            <p:nvPr/>
-          </p:nvSpPr>
-          <p:spPr>
-            <a:xfrm>
-              <a:off x="675408" y="1215736"/>
-              <a:ext cx="571500" cy="592282"/>
-            </a:xfrm>
-            <a:prstGeom prst="ellipse">
-              <a:avLst/>
-            </a:prstGeom>
-            <a:solidFill>
-              <a:srgbClr val="FF0000"/>
-            </a:solidFill>
-          </p:spPr>
-          <p:style>
-            <a:lnRef idx="2">
-              <a:schemeClr val="accent1">
-                <a:shade val="50000"/>
-              </a:schemeClr>
-            </a:lnRef>
-            <a:fillRef idx="1">
-              <a:schemeClr val="accent1"/>
-            </a:fillRef>
-            <a:effectRef idx="0">
-              <a:schemeClr val="accent1"/>
-            </a:effectRef>
-            <a:fontRef idx="minor">
-              <a:schemeClr val="lt1"/>
-            </a:fontRef>
-          </p:style>
-          <p:txBody>
-            <a:bodyPr rtlCol="0" anchor="ctr"/>
-            <a:lstStyle/>
-            <a:p>
-              <a:pPr algn="ctr"/>
-              <a:r>
-                <a:rPr lang="en-GB" dirty="0"/>
-                <a:t>7</a:t>
-              </a:r>
-              <a:endParaRPr lang="en-GB" dirty="0"/>
-            </a:p>
-          </p:txBody>
-        </p:sp>
-        <p:sp>
-          <p:nvSpPr>
-            <p:cNvPr id="6" name="TextBox 5"/>
-            <p:cNvSpPr txBox="1"/>
-            <p:nvPr/>
-          </p:nvSpPr>
-          <p:spPr>
-            <a:xfrm>
-              <a:off x="1340091" y="1267690"/>
-              <a:ext cx="9341764" cy="523220"/>
-            </a:xfrm>
-            <a:prstGeom prst="rect">
-              <a:avLst/>
-            </a:prstGeom>
-            <a:noFill/>
-          </p:spPr>
-          <p:txBody>
-            <a:bodyPr wrap="square" rtlCol="0">
-              <a:spAutoFit/>
-            </a:bodyPr>
-            <a:lstStyle/>
-            <a:p>
-              <a:r>
-                <a:rPr lang="en-GB" sz="2800" dirty="0" smtClean="0"/>
-                <a:t>Create Pull Request for review.</a:t>
-              </a:r>
-              <a:endParaRPr lang="en-GB" sz="2800" dirty="0" smtClean="0">
-                <a:solidFill>
-                  <a:srgbClr val="00B050"/>
-                </a:solidFill>
-              </a:endParaRPr>
-            </a:p>
-          </p:txBody>
-        </p:sp>
-      </p:grpSp>
-      <p:pic>
-        <p:nvPicPr>
-          <p:cNvPr id="2" name="Picture 1"/>
-          <p:cNvPicPr>
-            <a:picLocks noChangeAspect="1"/>
-          </p:cNvPicPr>
-          <p:nvPr/>
-        </p:nvPicPr>
-        <p:blipFill>
-          <a:blip r:embed="rId2"/>
-          <a:stretch>
-            <a:fillRect/>
-          </a:stretch>
-        </p:blipFill>
-        <p:spPr>
-          <a:xfrm>
-            <a:off x="1340091" y="1989590"/>
-            <a:ext cx="9089139" cy="4805347"/>
-          </a:xfrm>
-          <a:prstGeom prst="rect">
-            <a:avLst/>
-          </a:prstGeom>
-        </p:spPr>
-      </p:pic>
-    </p:spTree>
-    <p:extLst>
-      <p:ext uri="{BB962C8B-B14F-4D97-AF65-F5344CB8AC3E}">
-        <p14:creationId xmlns:p14="http://schemas.microsoft.com/office/powerpoint/2010/main" val="2204317285"/>
-      </p:ext>
-    </p:extLst>
-  </p:cSld>
-  <p:clrMapOvr>
-    <a:masterClrMapping/>
-  </p:clrMapOvr>
-  <p:timing>
-    <p:tnLst>
-      <p:par>
-        <p:cTn id="1" dur="indefinite" restart="never" nodeType="tmRoot"/>
-      </p:par>
-    </p:tnLst>
-  </p:timing>
-</p:sld>
-</file>
-
-<file path=ppt/slides/slide9.xml><?xml version="1.0" encoding="utf-8"?>
-<p:sld xmlns:a="http://schemas.openxmlformats.org/drawingml/2006/main" xmlns:r="http://schemas.openxmlformats.org/officeDocument/2006/relationships" xmlns:p="http://schemas.openxmlformats.org/presentationml/2006/main">
-  <p:cSld>
-    <p:spTree>
-      <p:nvGrpSpPr>
-        <p:cNvPr id="1" name=""/>
-        <p:cNvGrpSpPr/>
-        <p:nvPr/>
-      </p:nvGrpSpPr>
-      <p:grpSpPr>
-        <a:xfrm>
-          <a:off x="0" y="0"/>
-          <a:ext cx="0" cy="0"/>
-          <a:chOff x="0" y="0"/>
-          <a:chExt cx="0" cy="0"/>
-        </a:xfrm>
-      </p:grpSpPr>
-      <p:sp>
-        <p:nvSpPr>
-          <p:cNvPr id="38" name="Title 5"/>
-          <p:cNvSpPr txBox="1">
-            <a:spLocks/>
-          </p:cNvSpPr>
-          <p:nvPr/>
-        </p:nvSpPr>
-        <p:spPr>
-          <a:xfrm>
-            <a:off x="436082" y="483783"/>
-            <a:ext cx="9963149" cy="585227"/>
-          </a:xfrm>
-        </p:spPr>
-        <p:txBody>
-          <a:bodyPr>
-            <a:noAutofit/>
-          </a:bodyPr>
-          <a:lstStyle>
-            <a:lvl1pPr algn="l" defTabSz="914400" rtl="0" eaLnBrk="1" latinLnBrk="0" hangingPunct="1">
-              <a:spcBef>
-                <a:spcPct val="0"/>
-              </a:spcBef>
-              <a:buNone/>
-              <a:defRPr sz="2000" b="1" kern="1200">
-                <a:solidFill>
-                  <a:schemeClr val="tx1"/>
-                </a:solidFill>
-                <a:latin typeface="Arial" panose="020B0604020202020204" pitchFamily="34" charset="0"/>
-                <a:ea typeface="+mj-ea"/>
-                <a:cs typeface="Arial" panose="020B0604020202020204" pitchFamily="34" charset="0"/>
-              </a:defRPr>
-            </a:lvl1pPr>
-          </a:lstStyle>
-          <a:p>
-            <a:r>
-              <a:rPr lang="en-GB" sz="2667" b="0" dirty="0" smtClean="0"/>
-              <a:t>CNTT Technology WG </a:t>
-            </a:r>
-            <a:r>
-              <a:rPr lang="en-GB" sz="2667" b="0" dirty="0" smtClean="0">
-                <a:solidFill>
-                  <a:schemeClr val="bg1">
-                    <a:lumMod val="50000"/>
-                  </a:schemeClr>
-                </a:solidFill>
-              </a:rPr>
-              <a:t>| </a:t>
-            </a:r>
-            <a:r>
-              <a:rPr lang="en-GB" sz="2667" b="0" dirty="0" smtClean="0">
-                <a:solidFill>
-                  <a:schemeClr val="bg1">
-                    <a:lumMod val="50000"/>
-                  </a:schemeClr>
-                </a:solidFill>
-              </a:rPr>
-              <a:t>GitHub – Wait for Comments/Approvals</a:t>
-            </a:r>
-            <a:endParaRPr lang="en-GB" sz="2667" b="0" dirty="0">
-              <a:solidFill>
-                <a:schemeClr val="bg1">
-                  <a:lumMod val="50000"/>
-                </a:schemeClr>
-              </a:solidFill>
-            </a:endParaRPr>
-          </a:p>
-        </p:txBody>
-      </p:sp>
-      <p:grpSp>
-        <p:nvGrpSpPr>
-          <p:cNvPr id="5" name="Group 4"/>
-          <p:cNvGrpSpPr/>
-          <p:nvPr/>
-        </p:nvGrpSpPr>
-        <p:grpSpPr>
-          <a:xfrm>
-            <a:off x="675408" y="1215736"/>
-            <a:ext cx="10868891" cy="592282"/>
-            <a:chOff x="675408" y="1215736"/>
-            <a:chExt cx="10868891" cy="592282"/>
-          </a:xfrm>
-        </p:grpSpPr>
-        <p:sp>
-          <p:nvSpPr>
-            <p:cNvPr id="4" name="Oval 3"/>
-            <p:cNvSpPr/>
-            <p:nvPr/>
-          </p:nvSpPr>
-          <p:spPr>
-            <a:xfrm>
-              <a:off x="675408" y="1215736"/>
-              <a:ext cx="571500" cy="592282"/>
-            </a:xfrm>
-            <a:prstGeom prst="ellipse">
-              <a:avLst/>
-            </a:prstGeom>
-            <a:solidFill>
-              <a:srgbClr val="FF0000"/>
-            </a:solidFill>
-          </p:spPr>
-          <p:style>
-            <a:lnRef idx="2">
-              <a:schemeClr val="accent1">
-                <a:shade val="50000"/>
-              </a:schemeClr>
-            </a:lnRef>
-            <a:fillRef idx="1">
-              <a:schemeClr val="accent1"/>
-            </a:fillRef>
-            <a:effectRef idx="0">
-              <a:schemeClr val="accent1"/>
-            </a:effectRef>
-            <a:fontRef idx="minor">
-              <a:schemeClr val="lt1"/>
-            </a:fontRef>
-          </p:style>
-          <p:txBody>
-            <a:bodyPr rtlCol="0" anchor="ctr"/>
-            <a:lstStyle/>
-            <a:p>
-              <a:pPr algn="ctr"/>
-              <a:r>
-                <a:rPr lang="en-GB" dirty="0" smtClean="0"/>
-                <a:t>8</a:t>
-              </a:r>
-              <a:endParaRPr lang="en-GB" dirty="0"/>
-            </a:p>
-          </p:txBody>
-        </p:sp>
-        <p:sp>
-          <p:nvSpPr>
-            <p:cNvPr id="6" name="TextBox 5"/>
-            <p:cNvSpPr txBox="1"/>
-            <p:nvPr/>
-          </p:nvSpPr>
-          <p:spPr>
-            <a:xfrm>
-              <a:off x="1340090" y="1267690"/>
-              <a:ext cx="10204209" cy="523220"/>
-            </a:xfrm>
-            <a:prstGeom prst="rect">
-              <a:avLst/>
-            </a:prstGeom>
-            <a:noFill/>
-          </p:spPr>
-          <p:txBody>
-            <a:bodyPr wrap="square" rtlCol="0">
-              <a:spAutoFit/>
-            </a:bodyPr>
-            <a:lstStyle/>
-            <a:p>
-              <a:r>
-                <a:rPr lang="en-GB" sz="2800" dirty="0" smtClean="0"/>
-                <a:t>At any time, Check any open Pull Requests for comments and status.</a:t>
-              </a:r>
-              <a:endParaRPr lang="en-GB" sz="2800" dirty="0" smtClean="0">
-                <a:solidFill>
-                  <a:srgbClr val="00B050"/>
-                </a:solidFill>
-              </a:endParaRPr>
-            </a:p>
-          </p:txBody>
-        </p:sp>
-      </p:grpSp>
-      <p:pic>
-        <p:nvPicPr>
-          <p:cNvPr id="3" name="Picture 2"/>
-          <p:cNvPicPr>
-            <a:picLocks noChangeAspect="1"/>
-          </p:cNvPicPr>
-          <p:nvPr/>
-        </p:nvPicPr>
-        <p:blipFill>
-          <a:blip r:embed="rId2"/>
-          <a:stretch>
-            <a:fillRect/>
-          </a:stretch>
-        </p:blipFill>
-        <p:spPr>
-          <a:xfrm>
-            <a:off x="675408" y="2006698"/>
-            <a:ext cx="10737802" cy="4619672"/>
-          </a:xfrm>
-          <a:prstGeom prst="rect">
-            <a:avLst/>
-          </a:prstGeom>
-        </p:spPr>
-      </p:pic>
-    </p:spTree>
-    <p:extLst>
-      <p:ext uri="{BB962C8B-B14F-4D97-AF65-F5344CB8AC3E}">
-        <p14:creationId xmlns:p14="http://schemas.microsoft.com/office/powerpoint/2010/main" val="2646755023"/>
       </p:ext>
     </p:extLst>
   </p:cSld>
